--- a/Monograph/卒論資料PP/グループ検査.pptx
+++ b/Monograph/卒論資料PP/グループ検査.pptx
@@ -104,6 +104,11 @@
       </a:defRPr>
     </a:lvl9pPr>
   </p:defaultTextStyle>
+  <p:extLst>
+    <p:ext uri="{EFAFB233-063F-42B5-8137-9DF3F51BA10A}">
+      <p15:sldGuideLst xmlns:p15="http://schemas.microsoft.com/office/powerpoint/2012/main"/>
+    </p:ext>
+  </p:extLst>
 </p:presentation>
 </file>
 
@@ -238,7 +243,7 @@
           <a:p>
             <a:fld id="{50799AB4-C669-8445-9883-DCBAC7E8EE90}" type="datetimeFigureOut">
               <a:rPr kumimoji="1" lang="ja-JP" altLang="en-US" smtClean="0"/>
-              <a:t>2016/1/31</a:t>
+              <a:t>2016/2/14</a:t>
             </a:fld>
             <a:endParaRPr kumimoji="1" lang="ja-JP" altLang="en-US"/>
           </a:p>
@@ -440,7 +445,7 @@
           <a:p>
             <a:fld id="{50799AB4-C669-8445-9883-DCBAC7E8EE90}" type="datetimeFigureOut">
               <a:rPr kumimoji="1" lang="ja-JP" altLang="en-US" smtClean="0"/>
-              <a:t>2016/1/31</a:t>
+              <a:t>2016/2/14</a:t>
             </a:fld>
             <a:endParaRPr kumimoji="1" lang="ja-JP" altLang="en-US"/>
           </a:p>
@@ -652,7 +657,7 @@
           <a:p>
             <a:fld id="{50799AB4-C669-8445-9883-DCBAC7E8EE90}" type="datetimeFigureOut">
               <a:rPr kumimoji="1" lang="ja-JP" altLang="en-US" smtClean="0"/>
-              <a:t>2016/1/31</a:t>
+              <a:t>2016/2/14</a:t>
             </a:fld>
             <a:endParaRPr kumimoji="1" lang="ja-JP" altLang="en-US"/>
           </a:p>
@@ -854,7 +859,7 @@
           <a:p>
             <a:fld id="{50799AB4-C669-8445-9883-DCBAC7E8EE90}" type="datetimeFigureOut">
               <a:rPr kumimoji="1" lang="ja-JP" altLang="en-US" smtClean="0"/>
-              <a:t>2016/1/31</a:t>
+              <a:t>2016/2/14</a:t>
             </a:fld>
             <a:endParaRPr kumimoji="1" lang="ja-JP" altLang="en-US"/>
           </a:p>
@@ -1100,7 +1105,7 @@
           <a:p>
             <a:fld id="{50799AB4-C669-8445-9883-DCBAC7E8EE90}" type="datetimeFigureOut">
               <a:rPr kumimoji="1" lang="ja-JP" altLang="en-US" smtClean="0"/>
-              <a:t>2016/1/31</a:t>
+              <a:t>2016/2/14</a:t>
             </a:fld>
             <a:endParaRPr kumimoji="1" lang="ja-JP" altLang="en-US"/>
           </a:p>
@@ -1396,7 +1401,7 @@
           <a:p>
             <a:fld id="{50799AB4-C669-8445-9883-DCBAC7E8EE90}" type="datetimeFigureOut">
               <a:rPr kumimoji="1" lang="ja-JP" altLang="en-US" smtClean="0"/>
-              <a:t>2016/1/31</a:t>
+              <a:t>2016/2/14</a:t>
             </a:fld>
             <a:endParaRPr kumimoji="1" lang="ja-JP" altLang="en-US"/>
           </a:p>
@@ -1827,7 +1832,7 @@
           <a:p>
             <a:fld id="{50799AB4-C669-8445-9883-DCBAC7E8EE90}" type="datetimeFigureOut">
               <a:rPr kumimoji="1" lang="ja-JP" altLang="en-US" smtClean="0"/>
-              <a:t>2016/1/31</a:t>
+              <a:t>2016/2/14</a:t>
             </a:fld>
             <a:endParaRPr kumimoji="1" lang="ja-JP" altLang="en-US"/>
           </a:p>
@@ -1945,7 +1950,7 @@
           <a:p>
             <a:fld id="{50799AB4-C669-8445-9883-DCBAC7E8EE90}" type="datetimeFigureOut">
               <a:rPr kumimoji="1" lang="ja-JP" altLang="en-US" smtClean="0"/>
-              <a:t>2016/1/31</a:t>
+              <a:t>2016/2/14</a:t>
             </a:fld>
             <a:endParaRPr kumimoji="1" lang="ja-JP" altLang="en-US"/>
           </a:p>
@@ -2040,7 +2045,7 @@
           <a:p>
             <a:fld id="{50799AB4-C669-8445-9883-DCBAC7E8EE90}" type="datetimeFigureOut">
               <a:rPr kumimoji="1" lang="ja-JP" altLang="en-US" smtClean="0"/>
-              <a:t>2016/1/31</a:t>
+              <a:t>2016/2/14</a:t>
             </a:fld>
             <a:endParaRPr kumimoji="1" lang="ja-JP" altLang="en-US"/>
           </a:p>
@@ -2349,7 +2354,7 @@
           <a:p>
             <a:fld id="{50799AB4-C669-8445-9883-DCBAC7E8EE90}" type="datetimeFigureOut">
               <a:rPr kumimoji="1" lang="ja-JP" altLang="en-US" smtClean="0"/>
-              <a:t>2016/1/31</a:t>
+              <a:t>2016/2/14</a:t>
             </a:fld>
             <a:endParaRPr kumimoji="1" lang="ja-JP" altLang="en-US"/>
           </a:p>
@@ -2602,7 +2607,7 @@
           <a:p>
             <a:fld id="{50799AB4-C669-8445-9883-DCBAC7E8EE90}" type="datetimeFigureOut">
               <a:rPr kumimoji="1" lang="ja-JP" altLang="en-US" smtClean="0"/>
-              <a:t>2016/1/31</a:t>
+              <a:t>2016/2/14</a:t>
             </a:fld>
             <a:endParaRPr kumimoji="1" lang="ja-JP" altLang="en-US"/>
           </a:p>
@@ -2847,7 +2852,7 @@
           <a:p>
             <a:fld id="{50799AB4-C669-8445-9883-DCBAC7E8EE90}" type="datetimeFigureOut">
               <a:rPr kumimoji="1" lang="ja-JP" altLang="en-US" smtClean="0"/>
-              <a:t>2016/1/31</a:t>
+              <a:t>2016/2/14</a:t>
             </a:fld>
             <a:endParaRPr kumimoji="1" lang="ja-JP" altLang="en-US"/>
           </a:p>
@@ -3252,423 +3257,1041 @@
           <a:chExt cx="0" cy="0"/>
         </a:xfrm>
       </p:grpSpPr>
-      <p:sp>
-        <p:nvSpPr>
-          <p:cNvPr id="5" name="スマイル 4"/>
-          <p:cNvSpPr/>
-          <p:nvPr/>
-        </p:nvSpPr>
-        <p:spPr>
-          <a:xfrm>
-            <a:off x="1971340" y="930536"/>
-            <a:ext cx="720762" cy="720762"/>
-          </a:xfrm>
-          <a:prstGeom prst="smileyFace">
-            <a:avLst/>
-          </a:prstGeom>
-          <a:noFill/>
-          <a:ln w="31750">
-            <a:solidFill>
-              <a:schemeClr val="tx1"/>
-            </a:solidFill>
-          </a:ln>
-        </p:spPr>
-        <p:style>
-          <a:lnRef idx="2">
-            <a:schemeClr val="accent1">
-              <a:shade val="50000"/>
-            </a:schemeClr>
-          </a:lnRef>
-          <a:fillRef idx="1">
-            <a:schemeClr val="accent1"/>
-          </a:fillRef>
-          <a:effectRef idx="0">
-            <a:schemeClr val="accent1"/>
-          </a:effectRef>
-          <a:fontRef idx="minor">
-            <a:schemeClr val="lt1"/>
-          </a:fontRef>
-        </p:style>
-        <p:txBody>
-          <a:bodyPr rtlCol="0" anchor="ctr"/>
-          <a:lstStyle/>
-          <a:p>
-            <a:pPr algn="ctr"/>
-            <a:endParaRPr kumimoji="1" lang="ja-JP" altLang="en-US"/>
-          </a:p>
-        </p:txBody>
-      </p:sp>
-      <p:sp>
-        <p:nvSpPr>
-          <p:cNvPr id="6" name="スマイル 5"/>
-          <p:cNvSpPr/>
-          <p:nvPr/>
-        </p:nvSpPr>
-        <p:spPr>
-          <a:xfrm>
-            <a:off x="2967319" y="927846"/>
-            <a:ext cx="720762" cy="720762"/>
-          </a:xfrm>
-          <a:prstGeom prst="smileyFace">
-            <a:avLst/>
-          </a:prstGeom>
-          <a:noFill/>
-          <a:ln w="31750">
-            <a:solidFill>
-              <a:schemeClr val="tx1"/>
-            </a:solidFill>
-          </a:ln>
-        </p:spPr>
-        <p:style>
-          <a:lnRef idx="2">
-            <a:schemeClr val="accent1">
-              <a:shade val="50000"/>
-            </a:schemeClr>
-          </a:lnRef>
-          <a:fillRef idx="1">
-            <a:schemeClr val="accent1"/>
-          </a:fillRef>
-          <a:effectRef idx="0">
-            <a:schemeClr val="accent1"/>
-          </a:effectRef>
-          <a:fontRef idx="minor">
-            <a:schemeClr val="lt1"/>
-          </a:fontRef>
-        </p:style>
-        <p:txBody>
-          <a:bodyPr rtlCol="0" anchor="ctr"/>
-          <a:lstStyle/>
-          <a:p>
-            <a:pPr algn="ctr"/>
-            <a:endParaRPr kumimoji="1" lang="ja-JP" altLang="en-US"/>
-          </a:p>
-        </p:txBody>
-      </p:sp>
-      <p:sp>
-        <p:nvSpPr>
-          <p:cNvPr id="7" name="スマイル 6"/>
-          <p:cNvSpPr/>
-          <p:nvPr/>
-        </p:nvSpPr>
-        <p:spPr>
-          <a:xfrm>
-            <a:off x="3963298" y="927846"/>
-            <a:ext cx="720762" cy="720762"/>
-          </a:xfrm>
-          <a:prstGeom prst="smileyFace">
-            <a:avLst/>
-          </a:prstGeom>
-          <a:noFill/>
-          <a:ln w="31750">
-            <a:solidFill>
-              <a:schemeClr val="tx1"/>
-            </a:solidFill>
-          </a:ln>
-        </p:spPr>
-        <p:style>
-          <a:lnRef idx="2">
-            <a:schemeClr val="accent1">
-              <a:shade val="50000"/>
-            </a:schemeClr>
-          </a:lnRef>
-          <a:fillRef idx="1">
-            <a:schemeClr val="accent1"/>
-          </a:fillRef>
-          <a:effectRef idx="0">
-            <a:schemeClr val="accent1"/>
-          </a:effectRef>
-          <a:fontRef idx="minor">
-            <a:schemeClr val="lt1"/>
-          </a:fontRef>
-        </p:style>
-        <p:txBody>
-          <a:bodyPr rtlCol="0" anchor="ctr"/>
-          <a:lstStyle/>
-          <a:p>
-            <a:pPr algn="ctr"/>
-            <a:endParaRPr kumimoji="1" lang="ja-JP" altLang="en-US"/>
-          </a:p>
-        </p:txBody>
-      </p:sp>
-      <p:sp>
-        <p:nvSpPr>
-          <p:cNvPr id="8" name="スマイル 7"/>
-          <p:cNvSpPr/>
-          <p:nvPr/>
-        </p:nvSpPr>
-        <p:spPr>
-          <a:xfrm>
-            <a:off x="5955256" y="942190"/>
-            <a:ext cx="720762" cy="720762"/>
-          </a:xfrm>
-          <a:prstGeom prst="smileyFace">
-            <a:avLst/>
-          </a:prstGeom>
-          <a:noFill/>
-          <a:ln w="31750">
-            <a:solidFill>
-              <a:schemeClr val="tx1"/>
-            </a:solidFill>
-          </a:ln>
-        </p:spPr>
-        <p:style>
-          <a:lnRef idx="2">
-            <a:schemeClr val="accent1">
-              <a:shade val="50000"/>
-            </a:schemeClr>
-          </a:lnRef>
-          <a:fillRef idx="1">
-            <a:schemeClr val="accent1"/>
-          </a:fillRef>
-          <a:effectRef idx="0">
-            <a:schemeClr val="accent1"/>
-          </a:effectRef>
-          <a:fontRef idx="minor">
-            <a:schemeClr val="lt1"/>
-          </a:fontRef>
-        </p:style>
-        <p:txBody>
-          <a:bodyPr rtlCol="0" anchor="ctr"/>
-          <a:lstStyle/>
-          <a:p>
-            <a:pPr algn="ctr"/>
-            <a:endParaRPr kumimoji="1" lang="ja-JP" altLang="en-US"/>
-          </a:p>
-        </p:txBody>
-      </p:sp>
-      <p:sp>
-        <p:nvSpPr>
-          <p:cNvPr id="9" name="スマイル 8"/>
-          <p:cNvSpPr/>
-          <p:nvPr/>
-        </p:nvSpPr>
-        <p:spPr>
-          <a:xfrm>
-            <a:off x="6951235" y="942190"/>
-            <a:ext cx="720762" cy="720762"/>
-          </a:xfrm>
-          <a:prstGeom prst="smileyFace">
-            <a:avLst/>
-          </a:prstGeom>
-          <a:noFill/>
-          <a:ln w="31750">
-            <a:solidFill>
-              <a:schemeClr val="tx1"/>
-            </a:solidFill>
-          </a:ln>
-        </p:spPr>
-        <p:style>
-          <a:lnRef idx="2">
-            <a:schemeClr val="accent1">
-              <a:shade val="50000"/>
-            </a:schemeClr>
-          </a:lnRef>
-          <a:fillRef idx="1">
-            <a:schemeClr val="accent1"/>
-          </a:fillRef>
-          <a:effectRef idx="0">
-            <a:schemeClr val="accent1"/>
-          </a:effectRef>
-          <a:fontRef idx="minor">
-            <a:schemeClr val="lt1"/>
-          </a:fontRef>
-        </p:style>
-        <p:txBody>
-          <a:bodyPr rtlCol="0" anchor="ctr"/>
-          <a:lstStyle/>
-          <a:p>
-            <a:pPr algn="ctr"/>
-            <a:endParaRPr kumimoji="1" lang="ja-JP" altLang="en-US"/>
-          </a:p>
-        </p:txBody>
-      </p:sp>
-      <p:sp>
-        <p:nvSpPr>
-          <p:cNvPr id="10" name="スマイル 9"/>
-          <p:cNvSpPr/>
-          <p:nvPr/>
-        </p:nvSpPr>
-        <p:spPr>
-          <a:xfrm>
-            <a:off x="7947214" y="927846"/>
-            <a:ext cx="720762" cy="720762"/>
-          </a:xfrm>
-          <a:prstGeom prst="smileyFace">
-            <a:avLst/>
-          </a:prstGeom>
-          <a:noFill/>
-          <a:ln w="31750">
-            <a:solidFill>
-              <a:schemeClr val="tx1"/>
-            </a:solidFill>
-          </a:ln>
-        </p:spPr>
-        <p:style>
-          <a:lnRef idx="2">
-            <a:schemeClr val="accent1">
-              <a:shade val="50000"/>
-            </a:schemeClr>
-          </a:lnRef>
-          <a:fillRef idx="1">
-            <a:schemeClr val="accent1"/>
-          </a:fillRef>
-          <a:effectRef idx="0">
-            <a:schemeClr val="accent1"/>
-          </a:effectRef>
-          <a:fontRef idx="minor">
-            <a:schemeClr val="lt1"/>
-          </a:fontRef>
-        </p:style>
-        <p:txBody>
-          <a:bodyPr rtlCol="0" anchor="ctr"/>
-          <a:lstStyle/>
-          <a:p>
-            <a:pPr algn="ctr"/>
-            <a:endParaRPr kumimoji="1" lang="ja-JP" altLang="en-US"/>
-          </a:p>
-        </p:txBody>
-      </p:sp>
-      <p:sp>
-        <p:nvSpPr>
-          <p:cNvPr id="11" name="スマイル 10"/>
-          <p:cNvSpPr/>
-          <p:nvPr/>
-        </p:nvSpPr>
-        <p:spPr>
-          <a:xfrm>
-            <a:off x="8943193" y="942190"/>
-            <a:ext cx="720762" cy="720762"/>
-          </a:xfrm>
-          <a:prstGeom prst="smileyFace">
-            <a:avLst/>
-          </a:prstGeom>
-          <a:noFill/>
-          <a:ln w="31750">
-            <a:solidFill>
-              <a:schemeClr val="tx1"/>
-            </a:solidFill>
-          </a:ln>
-        </p:spPr>
-        <p:style>
-          <a:lnRef idx="2">
-            <a:schemeClr val="accent1">
-              <a:shade val="50000"/>
-            </a:schemeClr>
-          </a:lnRef>
-          <a:fillRef idx="1">
-            <a:schemeClr val="accent1"/>
-          </a:fillRef>
-          <a:effectRef idx="0">
-            <a:schemeClr val="accent1"/>
-          </a:effectRef>
-          <a:fontRef idx="minor">
-            <a:schemeClr val="lt1"/>
-          </a:fontRef>
-        </p:style>
-        <p:txBody>
-          <a:bodyPr rtlCol="0" anchor="ctr"/>
-          <a:lstStyle/>
-          <a:p>
-            <a:pPr algn="ctr"/>
-            <a:endParaRPr kumimoji="1" lang="ja-JP" altLang="en-US"/>
-          </a:p>
-        </p:txBody>
-      </p:sp>
-      <p:sp>
-        <p:nvSpPr>
-          <p:cNvPr id="12" name="スマイル 11"/>
-          <p:cNvSpPr/>
-          <p:nvPr/>
-        </p:nvSpPr>
-        <p:spPr>
-          <a:xfrm>
-            <a:off x="4959277" y="927846"/>
-            <a:ext cx="720762" cy="720762"/>
-          </a:xfrm>
-          <a:prstGeom prst="smileyFace">
-            <a:avLst/>
-          </a:prstGeom>
-          <a:solidFill>
-            <a:schemeClr val="bg1">
-              <a:lumMod val="65000"/>
-            </a:schemeClr>
-          </a:solidFill>
-          <a:ln w="31750">
-            <a:solidFill>
-              <a:schemeClr val="tx1"/>
-            </a:solidFill>
-          </a:ln>
-        </p:spPr>
-        <p:style>
-          <a:lnRef idx="2">
-            <a:schemeClr val="accent1">
-              <a:shade val="50000"/>
-            </a:schemeClr>
-          </a:lnRef>
-          <a:fillRef idx="1">
-            <a:schemeClr val="accent1"/>
-          </a:fillRef>
-          <a:effectRef idx="0">
-            <a:schemeClr val="accent1"/>
-          </a:effectRef>
-          <a:fontRef idx="minor">
-            <a:schemeClr val="lt1"/>
-          </a:fontRef>
-        </p:style>
-        <p:txBody>
-          <a:bodyPr rtlCol="0" anchor="ctr"/>
-          <a:lstStyle/>
-          <a:p>
-            <a:pPr algn="ctr"/>
-            <a:endParaRPr kumimoji="1" lang="ja-JP" altLang="en-US"/>
-          </a:p>
-        </p:txBody>
-      </p:sp>
       <p:grpSp>
         <p:nvGrpSpPr>
-          <p:cNvPr id="70" name="図形グループ 69"/>
+          <p:cNvPr id="2" name="図形グループ 1"/>
           <p:cNvGrpSpPr/>
           <p:nvPr/>
         </p:nvGrpSpPr>
         <p:grpSpPr>
           <a:xfrm>
-            <a:off x="6179519" y="3662248"/>
-            <a:ext cx="1322814" cy="585871"/>
-            <a:chOff x="5353204" y="5026545"/>
-            <a:chExt cx="1322814" cy="585871"/>
+            <a:off x="497382" y="736778"/>
+            <a:ext cx="7692615" cy="3364732"/>
+            <a:chOff x="497382" y="736778"/>
+            <a:chExt cx="7692615" cy="3364732"/>
           </a:xfrm>
         </p:grpSpPr>
+        <p:sp>
+          <p:nvSpPr>
+            <p:cNvPr id="5" name="スマイル 4"/>
+            <p:cNvSpPr/>
+            <p:nvPr/>
+          </p:nvSpPr>
+          <p:spPr>
+            <a:xfrm>
+              <a:off x="497382" y="739468"/>
+              <a:ext cx="720762" cy="720762"/>
+            </a:xfrm>
+            <a:prstGeom prst="smileyFace">
+              <a:avLst/>
+            </a:prstGeom>
+            <a:noFill/>
+            <a:ln w="31750">
+              <a:solidFill>
+                <a:schemeClr val="tx1"/>
+              </a:solidFill>
+            </a:ln>
+          </p:spPr>
+          <p:style>
+            <a:lnRef idx="2">
+              <a:schemeClr val="accent1">
+                <a:shade val="50000"/>
+              </a:schemeClr>
+            </a:lnRef>
+            <a:fillRef idx="1">
+              <a:schemeClr val="accent1"/>
+            </a:fillRef>
+            <a:effectRef idx="0">
+              <a:schemeClr val="accent1"/>
+            </a:effectRef>
+            <a:fontRef idx="minor">
+              <a:schemeClr val="lt1"/>
+            </a:fontRef>
+          </p:style>
+          <p:txBody>
+            <a:bodyPr rtlCol="0" anchor="ctr"/>
+            <a:lstStyle/>
+            <a:p>
+              <a:pPr algn="ctr"/>
+              <a:endParaRPr kumimoji="1" lang="ja-JP" altLang="en-US"/>
+            </a:p>
+          </p:txBody>
+        </p:sp>
+        <p:sp>
+          <p:nvSpPr>
+            <p:cNvPr id="6" name="スマイル 5"/>
+            <p:cNvSpPr/>
+            <p:nvPr/>
+          </p:nvSpPr>
+          <p:spPr>
+            <a:xfrm>
+              <a:off x="1493361" y="736778"/>
+              <a:ext cx="720762" cy="720762"/>
+            </a:xfrm>
+            <a:prstGeom prst="smileyFace">
+              <a:avLst/>
+            </a:prstGeom>
+            <a:noFill/>
+            <a:ln w="31750">
+              <a:solidFill>
+                <a:schemeClr val="tx1"/>
+              </a:solidFill>
+            </a:ln>
+          </p:spPr>
+          <p:style>
+            <a:lnRef idx="2">
+              <a:schemeClr val="accent1">
+                <a:shade val="50000"/>
+              </a:schemeClr>
+            </a:lnRef>
+            <a:fillRef idx="1">
+              <a:schemeClr val="accent1"/>
+            </a:fillRef>
+            <a:effectRef idx="0">
+              <a:schemeClr val="accent1"/>
+            </a:effectRef>
+            <a:fontRef idx="minor">
+              <a:schemeClr val="lt1"/>
+            </a:fontRef>
+          </p:style>
+          <p:txBody>
+            <a:bodyPr rtlCol="0" anchor="ctr"/>
+            <a:lstStyle/>
+            <a:p>
+              <a:pPr algn="ctr"/>
+              <a:endParaRPr kumimoji="1" lang="ja-JP" altLang="en-US"/>
+            </a:p>
+          </p:txBody>
+        </p:sp>
+        <p:sp>
+          <p:nvSpPr>
+            <p:cNvPr id="7" name="スマイル 6"/>
+            <p:cNvSpPr/>
+            <p:nvPr/>
+          </p:nvSpPr>
+          <p:spPr>
+            <a:xfrm>
+              <a:off x="2489340" y="736778"/>
+              <a:ext cx="720762" cy="720762"/>
+            </a:xfrm>
+            <a:prstGeom prst="smileyFace">
+              <a:avLst/>
+            </a:prstGeom>
+            <a:noFill/>
+            <a:ln w="31750">
+              <a:solidFill>
+                <a:schemeClr val="tx1"/>
+              </a:solidFill>
+            </a:ln>
+          </p:spPr>
+          <p:style>
+            <a:lnRef idx="2">
+              <a:schemeClr val="accent1">
+                <a:shade val="50000"/>
+              </a:schemeClr>
+            </a:lnRef>
+            <a:fillRef idx="1">
+              <a:schemeClr val="accent1"/>
+            </a:fillRef>
+            <a:effectRef idx="0">
+              <a:schemeClr val="accent1"/>
+            </a:effectRef>
+            <a:fontRef idx="minor">
+              <a:schemeClr val="lt1"/>
+            </a:fontRef>
+          </p:style>
+          <p:txBody>
+            <a:bodyPr rtlCol="0" anchor="ctr"/>
+            <a:lstStyle/>
+            <a:p>
+              <a:pPr algn="ctr"/>
+              <a:endParaRPr kumimoji="1" lang="ja-JP" altLang="en-US"/>
+            </a:p>
+          </p:txBody>
+        </p:sp>
+        <p:sp>
+          <p:nvSpPr>
+            <p:cNvPr id="8" name="スマイル 7"/>
+            <p:cNvSpPr/>
+            <p:nvPr/>
+          </p:nvSpPr>
+          <p:spPr>
+            <a:xfrm>
+              <a:off x="4481298" y="751122"/>
+              <a:ext cx="720762" cy="720762"/>
+            </a:xfrm>
+            <a:prstGeom prst="smileyFace">
+              <a:avLst/>
+            </a:prstGeom>
+            <a:noFill/>
+            <a:ln w="31750">
+              <a:solidFill>
+                <a:schemeClr val="tx1"/>
+              </a:solidFill>
+            </a:ln>
+          </p:spPr>
+          <p:style>
+            <a:lnRef idx="2">
+              <a:schemeClr val="accent1">
+                <a:shade val="50000"/>
+              </a:schemeClr>
+            </a:lnRef>
+            <a:fillRef idx="1">
+              <a:schemeClr val="accent1"/>
+            </a:fillRef>
+            <a:effectRef idx="0">
+              <a:schemeClr val="accent1"/>
+            </a:effectRef>
+            <a:fontRef idx="minor">
+              <a:schemeClr val="lt1"/>
+            </a:fontRef>
+          </p:style>
+          <p:txBody>
+            <a:bodyPr rtlCol="0" anchor="ctr"/>
+            <a:lstStyle/>
+            <a:p>
+              <a:pPr algn="ctr"/>
+              <a:endParaRPr kumimoji="1" lang="ja-JP" altLang="en-US"/>
+            </a:p>
+          </p:txBody>
+        </p:sp>
+        <p:sp>
+          <p:nvSpPr>
+            <p:cNvPr id="9" name="スマイル 8"/>
+            <p:cNvSpPr/>
+            <p:nvPr/>
+          </p:nvSpPr>
+          <p:spPr>
+            <a:xfrm>
+              <a:off x="5477277" y="751122"/>
+              <a:ext cx="720762" cy="720762"/>
+            </a:xfrm>
+            <a:prstGeom prst="smileyFace">
+              <a:avLst/>
+            </a:prstGeom>
+            <a:noFill/>
+            <a:ln w="31750">
+              <a:solidFill>
+                <a:schemeClr val="tx1"/>
+              </a:solidFill>
+            </a:ln>
+          </p:spPr>
+          <p:style>
+            <a:lnRef idx="2">
+              <a:schemeClr val="accent1">
+                <a:shade val="50000"/>
+              </a:schemeClr>
+            </a:lnRef>
+            <a:fillRef idx="1">
+              <a:schemeClr val="accent1"/>
+            </a:fillRef>
+            <a:effectRef idx="0">
+              <a:schemeClr val="accent1"/>
+            </a:effectRef>
+            <a:fontRef idx="minor">
+              <a:schemeClr val="lt1"/>
+            </a:fontRef>
+          </p:style>
+          <p:txBody>
+            <a:bodyPr rtlCol="0" anchor="ctr"/>
+            <a:lstStyle/>
+            <a:p>
+              <a:pPr algn="ctr"/>
+              <a:endParaRPr kumimoji="1" lang="ja-JP" altLang="en-US"/>
+            </a:p>
+          </p:txBody>
+        </p:sp>
+        <p:sp>
+          <p:nvSpPr>
+            <p:cNvPr id="10" name="スマイル 9"/>
+            <p:cNvSpPr/>
+            <p:nvPr/>
+          </p:nvSpPr>
+          <p:spPr>
+            <a:xfrm>
+              <a:off x="6473256" y="736778"/>
+              <a:ext cx="720762" cy="720762"/>
+            </a:xfrm>
+            <a:prstGeom prst="smileyFace">
+              <a:avLst/>
+            </a:prstGeom>
+            <a:noFill/>
+            <a:ln w="31750">
+              <a:solidFill>
+                <a:schemeClr val="tx1"/>
+              </a:solidFill>
+            </a:ln>
+          </p:spPr>
+          <p:style>
+            <a:lnRef idx="2">
+              <a:schemeClr val="accent1">
+                <a:shade val="50000"/>
+              </a:schemeClr>
+            </a:lnRef>
+            <a:fillRef idx="1">
+              <a:schemeClr val="accent1"/>
+            </a:fillRef>
+            <a:effectRef idx="0">
+              <a:schemeClr val="accent1"/>
+            </a:effectRef>
+            <a:fontRef idx="minor">
+              <a:schemeClr val="lt1"/>
+            </a:fontRef>
+          </p:style>
+          <p:txBody>
+            <a:bodyPr rtlCol="0" anchor="ctr"/>
+            <a:lstStyle/>
+            <a:p>
+              <a:pPr algn="ctr"/>
+              <a:endParaRPr kumimoji="1" lang="ja-JP" altLang="en-US"/>
+            </a:p>
+          </p:txBody>
+        </p:sp>
+        <p:sp>
+          <p:nvSpPr>
+            <p:cNvPr id="11" name="スマイル 10"/>
+            <p:cNvSpPr/>
+            <p:nvPr/>
+          </p:nvSpPr>
+          <p:spPr>
+            <a:xfrm>
+              <a:off x="7469235" y="751122"/>
+              <a:ext cx="720762" cy="720762"/>
+            </a:xfrm>
+            <a:prstGeom prst="smileyFace">
+              <a:avLst/>
+            </a:prstGeom>
+            <a:noFill/>
+            <a:ln w="31750">
+              <a:solidFill>
+                <a:schemeClr val="tx1"/>
+              </a:solidFill>
+            </a:ln>
+          </p:spPr>
+          <p:style>
+            <a:lnRef idx="2">
+              <a:schemeClr val="accent1">
+                <a:shade val="50000"/>
+              </a:schemeClr>
+            </a:lnRef>
+            <a:fillRef idx="1">
+              <a:schemeClr val="accent1"/>
+            </a:fillRef>
+            <a:effectRef idx="0">
+              <a:schemeClr val="accent1"/>
+            </a:effectRef>
+            <a:fontRef idx="minor">
+              <a:schemeClr val="lt1"/>
+            </a:fontRef>
+          </p:style>
+          <p:txBody>
+            <a:bodyPr rtlCol="0" anchor="ctr"/>
+            <a:lstStyle/>
+            <a:p>
+              <a:pPr algn="ctr"/>
+              <a:endParaRPr kumimoji="1" lang="ja-JP" altLang="en-US"/>
+            </a:p>
+          </p:txBody>
+        </p:sp>
+        <p:sp>
+          <p:nvSpPr>
+            <p:cNvPr id="12" name="スマイル 11"/>
+            <p:cNvSpPr/>
+            <p:nvPr/>
+          </p:nvSpPr>
+          <p:spPr>
+            <a:xfrm>
+              <a:off x="3485319" y="736778"/>
+              <a:ext cx="720762" cy="720762"/>
+            </a:xfrm>
+            <a:prstGeom prst="smileyFace">
+              <a:avLst/>
+            </a:prstGeom>
+            <a:solidFill>
+              <a:schemeClr val="bg1">
+                <a:lumMod val="65000"/>
+              </a:schemeClr>
+            </a:solidFill>
+            <a:ln w="31750">
+              <a:solidFill>
+                <a:schemeClr val="tx1"/>
+              </a:solidFill>
+            </a:ln>
+          </p:spPr>
+          <p:style>
+            <a:lnRef idx="2">
+              <a:schemeClr val="accent1">
+                <a:shade val="50000"/>
+              </a:schemeClr>
+            </a:lnRef>
+            <a:fillRef idx="1">
+              <a:schemeClr val="accent1"/>
+            </a:fillRef>
+            <a:effectRef idx="0">
+              <a:schemeClr val="accent1"/>
+            </a:effectRef>
+            <a:fontRef idx="minor">
+              <a:schemeClr val="lt1"/>
+            </a:fontRef>
+          </p:style>
+          <p:txBody>
+            <a:bodyPr rtlCol="0" anchor="ctr"/>
+            <a:lstStyle/>
+            <a:p>
+              <a:pPr algn="ctr"/>
+              <a:endParaRPr kumimoji="1" lang="ja-JP" altLang="en-US"/>
+            </a:p>
+          </p:txBody>
+        </p:sp>
         <p:grpSp>
           <p:nvGrpSpPr>
-            <p:cNvPr id="63" name="図形グループ 62"/>
+            <p:cNvPr id="70" name="図形グループ 69"/>
             <p:cNvGrpSpPr/>
             <p:nvPr/>
           </p:nvGrpSpPr>
           <p:grpSpPr>
             <a:xfrm>
-              <a:off x="5353204" y="5026545"/>
+              <a:off x="4705561" y="3471180"/>
               <a:ext cx="1322814" cy="585871"/>
-              <a:chOff x="2157912" y="3734114"/>
+              <a:chOff x="5353204" y="5026545"/>
               <a:chExt cx="1322814" cy="585871"/>
             </a:xfrm>
           </p:grpSpPr>
           <p:grpSp>
             <p:nvGrpSpPr>
-              <p:cNvPr id="64" name="図形グループ 63"/>
+              <p:cNvPr id="63" name="図形グループ 62"/>
               <p:cNvGrpSpPr/>
               <p:nvPr/>
             </p:nvGrpSpPr>
             <p:grpSpPr>
               <a:xfrm>
-                <a:off x="2157912" y="3734114"/>
+                <a:off x="5353204" y="5026545"/>
                 <a:ext cx="1322814" cy="585871"/>
-                <a:chOff x="6061523" y="3721758"/>
+                <a:chOff x="2157912" y="3734114"/>
                 <a:chExt cx="1322814" cy="585871"/>
+              </a:xfrm>
+            </p:grpSpPr>
+            <p:grpSp>
+              <p:nvGrpSpPr>
+                <p:cNvPr id="64" name="図形グループ 63"/>
+                <p:cNvGrpSpPr/>
+                <p:nvPr/>
+              </p:nvGrpSpPr>
+              <p:grpSpPr>
+                <a:xfrm>
+                  <a:off x="2157912" y="3734114"/>
+                  <a:ext cx="1322814" cy="585871"/>
+                  <a:chOff x="6061523" y="3721758"/>
+                  <a:chExt cx="1322814" cy="585871"/>
+                </a:xfrm>
+              </p:grpSpPr>
+              <p:cxnSp>
+                <p:nvCxnSpPr>
+                  <p:cNvPr id="66" name="直線コネクタ 65"/>
+                  <p:cNvCxnSpPr/>
+                  <p:nvPr/>
+                </p:nvCxnSpPr>
+                <p:spPr>
+                  <a:xfrm flipH="1">
+                    <a:off x="6074935" y="3721758"/>
+                    <a:ext cx="1" cy="578224"/>
+                  </a:xfrm>
+                  <a:prstGeom prst="line">
+                    <a:avLst/>
+                  </a:prstGeom>
+                  <a:ln w="31750">
+                    <a:solidFill>
+                      <a:schemeClr val="tx1"/>
+                    </a:solidFill>
+                  </a:ln>
+                </p:spPr>
+                <p:style>
+                  <a:lnRef idx="1">
+                    <a:schemeClr val="accent1"/>
+                  </a:lnRef>
+                  <a:fillRef idx="0">
+                    <a:schemeClr val="accent1"/>
+                  </a:fillRef>
+                  <a:effectRef idx="0">
+                    <a:schemeClr val="accent1"/>
+                  </a:effectRef>
+                  <a:fontRef idx="minor">
+                    <a:schemeClr val="tx1"/>
+                  </a:fontRef>
+                </p:style>
+              </p:cxnSp>
+              <p:cxnSp>
+                <p:nvCxnSpPr>
+                  <p:cNvPr id="67" name="直線コネクタ 66"/>
+                  <p:cNvCxnSpPr/>
+                  <p:nvPr/>
+                </p:nvCxnSpPr>
+                <p:spPr>
+                  <a:xfrm flipH="1">
+                    <a:off x="6061523" y="4293631"/>
+                    <a:ext cx="1322814" cy="1"/>
+                  </a:xfrm>
+                  <a:prstGeom prst="line">
+                    <a:avLst/>
+                  </a:prstGeom>
+                  <a:ln w="31750">
+                    <a:solidFill>
+                      <a:schemeClr val="tx1"/>
+                    </a:solidFill>
+                  </a:ln>
+                </p:spPr>
+                <p:style>
+                  <a:lnRef idx="1">
+                    <a:schemeClr val="accent1"/>
+                  </a:lnRef>
+                  <a:fillRef idx="0">
+                    <a:schemeClr val="accent1"/>
+                  </a:fillRef>
+                  <a:effectRef idx="0">
+                    <a:schemeClr val="accent1"/>
+                  </a:effectRef>
+                  <a:fontRef idx="minor">
+                    <a:schemeClr val="tx1"/>
+                  </a:fontRef>
+                </p:style>
+              </p:cxnSp>
+              <p:cxnSp>
+                <p:nvCxnSpPr>
+                  <p:cNvPr id="68" name="直線コネクタ 67"/>
+                  <p:cNvCxnSpPr/>
+                  <p:nvPr/>
+                </p:nvCxnSpPr>
+                <p:spPr>
+                  <a:xfrm flipH="1">
+                    <a:off x="7371221" y="3729405"/>
+                    <a:ext cx="1" cy="578224"/>
+                  </a:xfrm>
+                  <a:prstGeom prst="line">
+                    <a:avLst/>
+                  </a:prstGeom>
+                  <a:ln w="31750">
+                    <a:solidFill>
+                      <a:schemeClr val="tx1"/>
+                    </a:solidFill>
+                  </a:ln>
+                </p:spPr>
+                <p:style>
+                  <a:lnRef idx="1">
+                    <a:schemeClr val="accent1"/>
+                  </a:lnRef>
+                  <a:fillRef idx="0">
+                    <a:schemeClr val="accent1"/>
+                  </a:fillRef>
+                  <a:effectRef idx="0">
+                    <a:schemeClr val="accent1"/>
+                  </a:effectRef>
+                  <a:fontRef idx="minor">
+                    <a:schemeClr val="tx1"/>
+                  </a:fontRef>
+                </p:style>
+              </p:cxnSp>
+            </p:grpSp>
+            <p:cxnSp>
+              <p:nvCxnSpPr>
+                <p:cNvPr id="65" name="直線コネクタ 64"/>
+                <p:cNvCxnSpPr/>
+                <p:nvPr/>
+              </p:nvCxnSpPr>
+              <p:spPr>
+                <a:xfrm flipH="1">
+                  <a:off x="2164618" y="3924822"/>
+                  <a:ext cx="1302992" cy="4175"/>
+                </a:xfrm>
+                <a:prstGeom prst="line">
+                  <a:avLst/>
+                </a:prstGeom>
+                <a:ln w="31750">
+                  <a:solidFill>
+                    <a:schemeClr val="tx1"/>
+                  </a:solidFill>
+                </a:ln>
+              </p:spPr>
+              <p:style>
+                <a:lnRef idx="1">
+                  <a:schemeClr val="accent1"/>
+                </a:lnRef>
+                <a:fillRef idx="0">
+                  <a:schemeClr val="accent1"/>
+                </a:fillRef>
+                <a:effectRef idx="0">
+                  <a:schemeClr val="accent1"/>
+                </a:effectRef>
+                <a:fontRef idx="minor">
+                  <a:schemeClr val="tx1"/>
+                </a:fontRef>
+              </p:style>
+            </p:cxnSp>
+          </p:grpSp>
+          <p:sp>
+            <p:nvSpPr>
+              <p:cNvPr id="69" name="正方形/長方形 68"/>
+              <p:cNvSpPr/>
+              <p:nvPr/>
+            </p:nvSpPr>
+            <p:spPr>
+              <a:xfrm>
+                <a:off x="5380029" y="5230254"/>
+                <a:ext cx="1269758" cy="353820"/>
+              </a:xfrm>
+              <a:prstGeom prst="rect">
+                <a:avLst/>
+              </a:prstGeom>
+              <a:solidFill>
+                <a:schemeClr val="bg1">
+                  <a:lumMod val="65000"/>
+                </a:schemeClr>
+              </a:solidFill>
+              <a:ln>
+                <a:noFill/>
+              </a:ln>
+            </p:spPr>
+            <p:style>
+              <a:lnRef idx="2">
+                <a:schemeClr val="accent1">
+                  <a:shade val="50000"/>
+                </a:schemeClr>
+              </a:lnRef>
+              <a:fillRef idx="1">
+                <a:schemeClr val="accent1"/>
+              </a:fillRef>
+              <a:effectRef idx="0">
+                <a:schemeClr val="accent1"/>
+              </a:effectRef>
+              <a:fontRef idx="minor">
+                <a:schemeClr val="lt1"/>
+              </a:fontRef>
+            </p:style>
+            <p:txBody>
+              <a:bodyPr rtlCol="0" anchor="ctr"/>
+              <a:lstStyle/>
+              <a:p>
+                <a:pPr algn="ctr"/>
+                <a:endParaRPr kumimoji="1" lang="ja-JP" altLang="en-US"/>
+              </a:p>
+            </p:txBody>
+          </p:sp>
+        </p:grpSp>
+        <p:cxnSp>
+          <p:nvCxnSpPr>
+            <p:cNvPr id="72" name="直線コネクタ 71"/>
+            <p:cNvCxnSpPr>
+              <a:stCxn id="12" idx="4"/>
+              <a:endCxn id="69" idx="0"/>
+            </p:cNvCxnSpPr>
+            <p:nvPr/>
+          </p:nvCxnSpPr>
+          <p:spPr>
+            <a:xfrm>
+              <a:off x="3845700" y="1457540"/>
+              <a:ext cx="1521565" cy="2217349"/>
+            </a:xfrm>
+            <a:prstGeom prst="line">
+              <a:avLst/>
+            </a:prstGeom>
+            <a:ln w="28575">
+              <a:solidFill>
+                <a:schemeClr val="tx1"/>
+              </a:solidFill>
+            </a:ln>
+          </p:spPr>
+          <p:style>
+            <a:lnRef idx="1">
+              <a:schemeClr val="accent1"/>
+            </a:lnRef>
+            <a:fillRef idx="0">
+              <a:schemeClr val="accent1"/>
+            </a:fillRef>
+            <a:effectRef idx="0">
+              <a:schemeClr val="accent1"/>
+            </a:effectRef>
+            <a:fontRef idx="minor">
+              <a:schemeClr val="tx1"/>
+            </a:fontRef>
+          </p:style>
+        </p:cxnSp>
+        <p:grpSp>
+          <p:nvGrpSpPr>
+            <p:cNvPr id="81" name="図形グループ 80"/>
+            <p:cNvGrpSpPr/>
+            <p:nvPr/>
+          </p:nvGrpSpPr>
+          <p:grpSpPr>
+            <a:xfrm>
+              <a:off x="654155" y="3478827"/>
+              <a:ext cx="1322814" cy="585871"/>
+              <a:chOff x="5353204" y="5026545"/>
+              <a:chExt cx="1322814" cy="585871"/>
+            </a:xfrm>
+          </p:grpSpPr>
+          <p:grpSp>
+            <p:nvGrpSpPr>
+              <p:cNvPr id="82" name="図形グループ 81"/>
+              <p:cNvGrpSpPr/>
+              <p:nvPr/>
+            </p:nvGrpSpPr>
+            <p:grpSpPr>
+              <a:xfrm>
+                <a:off x="5353204" y="5026545"/>
+                <a:ext cx="1322814" cy="585871"/>
+                <a:chOff x="2157912" y="3734114"/>
+                <a:chExt cx="1322814" cy="585871"/>
+              </a:xfrm>
+            </p:grpSpPr>
+            <p:grpSp>
+              <p:nvGrpSpPr>
+                <p:cNvPr id="84" name="図形グループ 83"/>
+                <p:cNvGrpSpPr/>
+                <p:nvPr/>
+              </p:nvGrpSpPr>
+              <p:grpSpPr>
+                <a:xfrm>
+                  <a:off x="2157912" y="3734114"/>
+                  <a:ext cx="1322814" cy="585871"/>
+                  <a:chOff x="6061523" y="3721758"/>
+                  <a:chExt cx="1322814" cy="585871"/>
+                </a:xfrm>
+              </p:grpSpPr>
+              <p:cxnSp>
+                <p:nvCxnSpPr>
+                  <p:cNvPr id="86" name="直線コネクタ 85"/>
+                  <p:cNvCxnSpPr/>
+                  <p:nvPr/>
+                </p:nvCxnSpPr>
+                <p:spPr>
+                  <a:xfrm flipH="1">
+                    <a:off x="6074935" y="3721758"/>
+                    <a:ext cx="1" cy="578224"/>
+                  </a:xfrm>
+                  <a:prstGeom prst="line">
+                    <a:avLst/>
+                  </a:prstGeom>
+                  <a:ln w="31750">
+                    <a:solidFill>
+                      <a:schemeClr val="tx1"/>
+                    </a:solidFill>
+                  </a:ln>
+                </p:spPr>
+                <p:style>
+                  <a:lnRef idx="1">
+                    <a:schemeClr val="accent1"/>
+                  </a:lnRef>
+                  <a:fillRef idx="0">
+                    <a:schemeClr val="accent1"/>
+                  </a:fillRef>
+                  <a:effectRef idx="0">
+                    <a:schemeClr val="accent1"/>
+                  </a:effectRef>
+                  <a:fontRef idx="minor">
+                    <a:schemeClr val="tx1"/>
+                  </a:fontRef>
+                </p:style>
+              </p:cxnSp>
+              <p:cxnSp>
+                <p:nvCxnSpPr>
+                  <p:cNvPr id="87" name="直線コネクタ 86"/>
+                  <p:cNvCxnSpPr/>
+                  <p:nvPr/>
+                </p:nvCxnSpPr>
+                <p:spPr>
+                  <a:xfrm flipH="1">
+                    <a:off x="6061523" y="4293631"/>
+                    <a:ext cx="1322814" cy="1"/>
+                  </a:xfrm>
+                  <a:prstGeom prst="line">
+                    <a:avLst/>
+                  </a:prstGeom>
+                  <a:ln w="31750">
+                    <a:solidFill>
+                      <a:schemeClr val="tx1"/>
+                    </a:solidFill>
+                  </a:ln>
+                </p:spPr>
+                <p:style>
+                  <a:lnRef idx="1">
+                    <a:schemeClr val="accent1"/>
+                  </a:lnRef>
+                  <a:fillRef idx="0">
+                    <a:schemeClr val="accent1"/>
+                  </a:fillRef>
+                  <a:effectRef idx="0">
+                    <a:schemeClr val="accent1"/>
+                  </a:effectRef>
+                  <a:fontRef idx="minor">
+                    <a:schemeClr val="tx1"/>
+                  </a:fontRef>
+                </p:style>
+              </p:cxnSp>
+              <p:cxnSp>
+                <p:nvCxnSpPr>
+                  <p:cNvPr id="88" name="直線コネクタ 87"/>
+                  <p:cNvCxnSpPr/>
+                  <p:nvPr/>
+                </p:nvCxnSpPr>
+                <p:spPr>
+                  <a:xfrm flipH="1">
+                    <a:off x="7371221" y="3729405"/>
+                    <a:ext cx="1" cy="578224"/>
+                  </a:xfrm>
+                  <a:prstGeom prst="line">
+                    <a:avLst/>
+                  </a:prstGeom>
+                  <a:ln w="31750">
+                    <a:solidFill>
+                      <a:schemeClr val="tx1"/>
+                    </a:solidFill>
+                  </a:ln>
+                </p:spPr>
+                <p:style>
+                  <a:lnRef idx="1">
+                    <a:schemeClr val="accent1"/>
+                  </a:lnRef>
+                  <a:fillRef idx="0">
+                    <a:schemeClr val="accent1"/>
+                  </a:fillRef>
+                  <a:effectRef idx="0">
+                    <a:schemeClr val="accent1"/>
+                  </a:effectRef>
+                  <a:fontRef idx="minor">
+                    <a:schemeClr val="tx1"/>
+                  </a:fontRef>
+                </p:style>
+              </p:cxnSp>
+            </p:grpSp>
+            <p:cxnSp>
+              <p:nvCxnSpPr>
+                <p:cNvPr id="85" name="直線コネクタ 84"/>
+                <p:cNvCxnSpPr/>
+                <p:nvPr/>
+              </p:nvCxnSpPr>
+              <p:spPr>
+                <a:xfrm flipH="1">
+                  <a:off x="2164618" y="3924822"/>
+                  <a:ext cx="1302992" cy="4175"/>
+                </a:xfrm>
+                <a:prstGeom prst="line">
+                  <a:avLst/>
+                </a:prstGeom>
+                <a:ln w="31750">
+                  <a:solidFill>
+                    <a:schemeClr val="tx1"/>
+                  </a:solidFill>
+                </a:ln>
+              </p:spPr>
+              <p:style>
+                <a:lnRef idx="1">
+                  <a:schemeClr val="accent1"/>
+                </a:lnRef>
+                <a:fillRef idx="0">
+                  <a:schemeClr val="accent1"/>
+                </a:fillRef>
+                <a:effectRef idx="0">
+                  <a:schemeClr val="accent1"/>
+                </a:effectRef>
+                <a:fontRef idx="minor">
+                  <a:schemeClr val="tx1"/>
+                </a:fontRef>
+              </p:style>
+            </p:cxnSp>
+          </p:grpSp>
+          <p:sp>
+            <p:nvSpPr>
+              <p:cNvPr id="83" name="正方形/長方形 82"/>
+              <p:cNvSpPr/>
+              <p:nvPr/>
+            </p:nvSpPr>
+            <p:spPr>
+              <a:xfrm>
+                <a:off x="5380029" y="5230254"/>
+                <a:ext cx="1269758" cy="353820"/>
+              </a:xfrm>
+              <a:prstGeom prst="rect">
+                <a:avLst/>
+              </a:prstGeom>
+              <a:solidFill>
+                <a:schemeClr val="bg1">
+                  <a:lumMod val="65000"/>
+                </a:schemeClr>
+              </a:solidFill>
+              <a:ln>
+                <a:noFill/>
+              </a:ln>
+            </p:spPr>
+            <p:style>
+              <a:lnRef idx="2">
+                <a:schemeClr val="accent1">
+                  <a:shade val="50000"/>
+                </a:schemeClr>
+              </a:lnRef>
+              <a:fillRef idx="1">
+                <a:schemeClr val="accent1"/>
+              </a:fillRef>
+              <a:effectRef idx="0">
+                <a:schemeClr val="accent1"/>
+              </a:effectRef>
+              <a:fontRef idx="minor">
+                <a:schemeClr val="lt1"/>
+              </a:fontRef>
+            </p:style>
+            <p:txBody>
+              <a:bodyPr rtlCol="0" anchor="ctr"/>
+              <a:lstStyle/>
+              <a:p>
+                <a:pPr algn="ctr"/>
+                <a:endParaRPr kumimoji="1" lang="ja-JP" altLang="en-US"/>
+              </a:p>
+            </p:txBody>
+          </p:sp>
+        </p:grpSp>
+        <p:cxnSp>
+          <p:nvCxnSpPr>
+            <p:cNvPr id="89" name="直線コネクタ 88"/>
+            <p:cNvCxnSpPr>
+              <a:stCxn id="12" idx="4"/>
+              <a:endCxn id="83" idx="0"/>
+            </p:cNvCxnSpPr>
+            <p:nvPr/>
+          </p:nvCxnSpPr>
+          <p:spPr>
+            <a:xfrm flipH="1">
+              <a:off x="1315859" y="1457540"/>
+              <a:ext cx="2529841" cy="2224996"/>
+            </a:xfrm>
+            <a:prstGeom prst="line">
+              <a:avLst/>
+            </a:prstGeom>
+            <a:ln w="28575">
+              <a:solidFill>
+                <a:schemeClr val="tx1"/>
+              </a:solidFill>
+            </a:ln>
+          </p:spPr>
+          <p:style>
+            <a:lnRef idx="1">
+              <a:schemeClr val="accent1"/>
+            </a:lnRef>
+            <a:fillRef idx="0">
+              <a:schemeClr val="accent1"/>
+            </a:fillRef>
+            <a:effectRef idx="0">
+              <a:schemeClr val="accent1"/>
+            </a:effectRef>
+            <a:fontRef idx="minor">
+              <a:schemeClr val="tx1"/>
+            </a:fontRef>
+          </p:style>
+        </p:cxnSp>
+        <p:cxnSp>
+          <p:nvCxnSpPr>
+            <p:cNvPr id="92" name="直線コネクタ 91"/>
+            <p:cNvCxnSpPr>
+              <a:stCxn id="5" idx="4"/>
+              <a:endCxn id="83" idx="0"/>
+            </p:cNvCxnSpPr>
+            <p:nvPr/>
+          </p:nvCxnSpPr>
+          <p:spPr>
+            <a:xfrm>
+              <a:off x="857763" y="1460230"/>
+              <a:ext cx="458096" cy="2222306"/>
+            </a:xfrm>
+            <a:prstGeom prst="line">
+              <a:avLst/>
+            </a:prstGeom>
+            <a:ln w="28575">
+              <a:solidFill>
+                <a:schemeClr val="tx1"/>
+              </a:solidFill>
+            </a:ln>
+          </p:spPr>
+          <p:style>
+            <a:lnRef idx="1">
+              <a:schemeClr val="accent1"/>
+            </a:lnRef>
+            <a:fillRef idx="0">
+              <a:schemeClr val="accent1"/>
+            </a:fillRef>
+            <a:effectRef idx="0">
+              <a:schemeClr val="accent1"/>
+            </a:effectRef>
+            <a:fontRef idx="minor">
+              <a:schemeClr val="tx1"/>
+            </a:fontRef>
+          </p:style>
+        </p:cxnSp>
+        <p:cxnSp>
+          <p:nvCxnSpPr>
+            <p:cNvPr id="95" name="直線コネクタ 94"/>
+            <p:cNvCxnSpPr>
+              <a:stCxn id="5" idx="4"/>
+              <a:endCxn id="107" idx="0"/>
+            </p:cNvCxnSpPr>
+            <p:nvPr/>
+          </p:nvCxnSpPr>
+          <p:spPr>
+            <a:xfrm>
+              <a:off x="857763" y="1460230"/>
+              <a:ext cx="2487699" cy="2266817"/>
+            </a:xfrm>
+            <a:prstGeom prst="line">
+              <a:avLst/>
+            </a:prstGeom>
+            <a:ln w="28575">
+              <a:solidFill>
+                <a:schemeClr val="tx1"/>
+              </a:solidFill>
+            </a:ln>
+          </p:spPr>
+          <p:style>
+            <a:lnRef idx="1">
+              <a:schemeClr val="accent1"/>
+            </a:lnRef>
+            <a:fillRef idx="0">
+              <a:schemeClr val="accent1"/>
+            </a:fillRef>
+            <a:effectRef idx="0">
+              <a:schemeClr val="accent1"/>
+            </a:effectRef>
+            <a:fontRef idx="minor">
+              <a:schemeClr val="tx1"/>
+            </a:fontRef>
+          </p:style>
+        </p:cxnSp>
+        <p:grpSp>
+          <p:nvGrpSpPr>
+            <p:cNvPr id="100" name="図形グループ 99"/>
+            <p:cNvGrpSpPr/>
+            <p:nvPr/>
+          </p:nvGrpSpPr>
+          <p:grpSpPr>
+            <a:xfrm>
+              <a:off x="6737486" y="3478827"/>
+              <a:ext cx="1296287" cy="585871"/>
+              <a:chOff x="9484142" y="3741761"/>
+              <a:chExt cx="1296287" cy="585871"/>
+            </a:xfrm>
+          </p:grpSpPr>
+          <p:grpSp>
+            <p:nvGrpSpPr>
+              <p:cNvPr id="101" name="図形グループ 100"/>
+              <p:cNvGrpSpPr/>
+              <p:nvPr/>
+            </p:nvGrpSpPr>
+            <p:grpSpPr>
+              <a:xfrm>
+                <a:off x="9484142" y="3741761"/>
+                <a:ext cx="1296287" cy="585871"/>
+                <a:chOff x="6074935" y="3721758"/>
+                <a:chExt cx="1296287" cy="585871"/>
               </a:xfrm>
             </p:grpSpPr>
             <p:cxnSp>
               <p:nvCxnSpPr>
-                <p:cNvPr id="66" name="直線コネクタ 65"/>
+                <p:cNvPr id="103" name="直線コネクタ 102"/>
                 <p:cNvCxnSpPr/>
                 <p:nvPr/>
               </p:nvCxnSpPr>
@@ -3703,42 +4326,7 @@
             </p:cxnSp>
             <p:cxnSp>
               <p:nvCxnSpPr>
-                <p:cNvPr id="67" name="直線コネクタ 66"/>
-                <p:cNvCxnSpPr/>
-                <p:nvPr/>
-              </p:nvCxnSpPr>
-              <p:spPr>
-                <a:xfrm flipH="1">
-                  <a:off x="6061523" y="4293631"/>
-                  <a:ext cx="1322814" cy="1"/>
-                </a:xfrm>
-                <a:prstGeom prst="line">
-                  <a:avLst/>
-                </a:prstGeom>
-                <a:ln w="31750">
-                  <a:solidFill>
-                    <a:schemeClr val="tx1"/>
-                  </a:solidFill>
-                </a:ln>
-              </p:spPr>
-              <p:style>
-                <a:lnRef idx="1">
-                  <a:schemeClr val="accent1"/>
-                </a:lnRef>
-                <a:fillRef idx="0">
-                  <a:schemeClr val="accent1"/>
-                </a:fillRef>
-                <a:effectRef idx="0">
-                  <a:schemeClr val="accent1"/>
-                </a:effectRef>
-                <a:fontRef idx="minor">
-                  <a:schemeClr val="tx1"/>
-                </a:fontRef>
-              </p:style>
-            </p:cxnSp>
-            <p:cxnSp>
-              <p:nvCxnSpPr>
-                <p:cNvPr id="68" name="直線コネクタ 67"/>
+                <p:cNvPr id="104" name="直線コネクタ 103"/>
                 <p:cNvCxnSpPr/>
                 <p:nvPr/>
               </p:nvCxnSpPr>
@@ -3772,20 +4360,21 @@
               </p:style>
             </p:cxnSp>
           </p:grpSp>
-          <p:cxnSp>
-            <p:nvCxnSpPr>
-              <p:cNvPr id="65" name="直線コネクタ 64"/>
-              <p:cNvCxnSpPr/>
+          <p:sp>
+            <p:nvSpPr>
+              <p:cNvPr id="102" name="正方形/長方形 101"/>
+              <p:cNvSpPr/>
               <p:nvPr/>
-            </p:nvCxnSpPr>
+            </p:nvSpPr>
             <p:spPr>
-              <a:xfrm flipH="1">
-                <a:off x="2164618" y="3924822"/>
-                <a:ext cx="1302992" cy="4175"/>
+              <a:xfrm>
+                <a:off x="9484701" y="3953169"/>
+                <a:ext cx="1294288" cy="374463"/>
               </a:xfrm>
-              <a:prstGeom prst="line">
+              <a:prstGeom prst="rect">
                 <a:avLst/>
               </a:prstGeom>
+              <a:noFill/>
               <a:ln w="31750">
                 <a:solidFill>
                   <a:schemeClr val="tx1"/>
@@ -3793,153 +4382,62 @@
               </a:ln>
             </p:spPr>
             <p:style>
-              <a:lnRef idx="1">
-                <a:schemeClr val="accent1"/>
+              <a:lnRef idx="2">
+                <a:schemeClr val="accent1">
+                  <a:shade val="50000"/>
+                </a:schemeClr>
               </a:lnRef>
-              <a:fillRef idx="0">
+              <a:fillRef idx="1">
                 <a:schemeClr val="accent1"/>
               </a:fillRef>
               <a:effectRef idx="0">
                 <a:schemeClr val="accent1"/>
               </a:effectRef>
               <a:fontRef idx="minor">
-                <a:schemeClr val="tx1"/>
+                <a:schemeClr val="lt1"/>
               </a:fontRef>
             </p:style>
-          </p:cxnSp>
+            <p:txBody>
+              <a:bodyPr rtlCol="0" anchor="ctr"/>
+              <a:lstStyle/>
+              <a:p>
+                <a:pPr algn="ctr"/>
+                <a:endParaRPr kumimoji="1" lang="ja-JP" altLang="en-US"/>
+              </a:p>
+            </p:txBody>
+          </p:sp>
         </p:grpSp>
-        <p:sp>
-          <p:nvSpPr>
-            <p:cNvPr id="69" name="正方形/長方形 68"/>
-            <p:cNvSpPr/>
-            <p:nvPr/>
-          </p:nvSpPr>
-          <p:spPr>
-            <a:xfrm>
-              <a:off x="5380029" y="5230254"/>
-              <a:ext cx="1269758" cy="353820"/>
-            </a:xfrm>
-            <a:prstGeom prst="rect">
-              <a:avLst/>
-            </a:prstGeom>
-            <a:solidFill>
-              <a:schemeClr val="bg1">
-                <a:lumMod val="65000"/>
-              </a:schemeClr>
-            </a:solidFill>
-            <a:ln>
-              <a:noFill/>
-            </a:ln>
-          </p:spPr>
-          <p:style>
-            <a:lnRef idx="2">
-              <a:schemeClr val="accent1">
-                <a:shade val="50000"/>
-              </a:schemeClr>
-            </a:lnRef>
-            <a:fillRef idx="1">
-              <a:schemeClr val="accent1"/>
-            </a:fillRef>
-            <a:effectRef idx="0">
-              <a:schemeClr val="accent1"/>
-            </a:effectRef>
-            <a:fontRef idx="minor">
-              <a:schemeClr val="lt1"/>
-            </a:fontRef>
-          </p:style>
-          <p:txBody>
-            <a:bodyPr rtlCol="0" anchor="ctr"/>
-            <a:lstStyle/>
-            <a:p>
-              <a:pPr algn="ctr"/>
-              <a:endParaRPr kumimoji="1" lang="ja-JP" altLang="en-US"/>
-            </a:p>
-          </p:txBody>
-        </p:sp>
-      </p:grpSp>
-      <p:cxnSp>
-        <p:nvCxnSpPr>
-          <p:cNvPr id="72" name="直線コネクタ 71"/>
-          <p:cNvCxnSpPr>
-            <a:stCxn id="12" idx="4"/>
-            <a:endCxn id="69" idx="0"/>
-          </p:cNvCxnSpPr>
-          <p:nvPr/>
-        </p:nvCxnSpPr>
-        <p:spPr>
-          <a:xfrm>
-            <a:off x="5319658" y="1648608"/>
-            <a:ext cx="1521565" cy="2217349"/>
-          </a:xfrm>
-          <a:prstGeom prst="line">
-            <a:avLst/>
-          </a:prstGeom>
-          <a:ln w="28575">
-            <a:solidFill>
-              <a:schemeClr val="tx1"/>
-            </a:solidFill>
-          </a:ln>
-        </p:spPr>
-        <p:style>
-          <a:lnRef idx="1">
-            <a:schemeClr val="accent1"/>
-          </a:lnRef>
-          <a:fillRef idx="0">
-            <a:schemeClr val="accent1"/>
-          </a:fillRef>
-          <a:effectRef idx="0">
-            <a:schemeClr val="accent1"/>
-          </a:effectRef>
-          <a:fontRef idx="minor">
-            <a:schemeClr val="tx1"/>
-          </a:fontRef>
-        </p:style>
-      </p:cxnSp>
-      <p:grpSp>
-        <p:nvGrpSpPr>
-          <p:cNvPr id="81" name="図形グループ 80"/>
-          <p:cNvGrpSpPr/>
-          <p:nvPr/>
-        </p:nvGrpSpPr>
-        <p:grpSpPr>
-          <a:xfrm>
-            <a:off x="2128113" y="3669895"/>
-            <a:ext cx="1322814" cy="585871"/>
-            <a:chOff x="5353204" y="5026545"/>
-            <a:chExt cx="1322814" cy="585871"/>
-          </a:xfrm>
-        </p:grpSpPr>
         <p:grpSp>
           <p:nvGrpSpPr>
-            <p:cNvPr id="82" name="図形グループ 81"/>
+            <p:cNvPr id="105" name="図形グループ 104"/>
             <p:cNvGrpSpPr/>
             <p:nvPr/>
           </p:nvGrpSpPr>
           <p:grpSpPr>
             <a:xfrm>
-              <a:off x="5353204" y="5026545"/>
-              <a:ext cx="1322814" cy="585871"/>
-              <a:chOff x="2157912" y="3734114"/>
-              <a:chExt cx="1322814" cy="585871"/>
+              <a:off x="2697759" y="3515639"/>
+              <a:ext cx="1296287" cy="585871"/>
+              <a:chOff x="9484142" y="3741761"/>
+              <a:chExt cx="1296287" cy="585871"/>
             </a:xfrm>
           </p:grpSpPr>
           <p:grpSp>
             <p:nvGrpSpPr>
-              <p:cNvPr id="84" name="図形グループ 83"/>
+              <p:cNvPr id="106" name="図形グループ 105"/>
               <p:cNvGrpSpPr/>
               <p:nvPr/>
             </p:nvGrpSpPr>
             <p:grpSpPr>
               <a:xfrm>
-                <a:off x="2157912" y="3734114"/>
-                <a:ext cx="1322814" cy="585871"/>
-                <a:chOff x="6061523" y="3721758"/>
-                <a:chExt cx="1322814" cy="585871"/>
+                <a:off x="9484142" y="3741761"/>
+                <a:ext cx="1296287" cy="585871"/>
+                <a:chOff x="6074935" y="3721758"/>
+                <a:chExt cx="1296287" cy="585871"/>
               </a:xfrm>
             </p:grpSpPr>
             <p:cxnSp>
               <p:nvCxnSpPr>
-                <p:cNvPr id="86" name="直線コネクタ 85"/>
+                <p:cNvPr id="108" name="直線コネクタ 107"/>
                 <p:cNvCxnSpPr/>
                 <p:nvPr/>
               </p:nvCxnSpPr>
@@ -3974,42 +4472,7 @@
             </p:cxnSp>
             <p:cxnSp>
               <p:nvCxnSpPr>
-                <p:cNvPr id="87" name="直線コネクタ 86"/>
-                <p:cNvCxnSpPr/>
-                <p:nvPr/>
-              </p:nvCxnSpPr>
-              <p:spPr>
-                <a:xfrm flipH="1">
-                  <a:off x="6061523" y="4293631"/>
-                  <a:ext cx="1322814" cy="1"/>
-                </a:xfrm>
-                <a:prstGeom prst="line">
-                  <a:avLst/>
-                </a:prstGeom>
-                <a:ln w="31750">
-                  <a:solidFill>
-                    <a:schemeClr val="tx1"/>
-                  </a:solidFill>
-                </a:ln>
-              </p:spPr>
-              <p:style>
-                <a:lnRef idx="1">
-                  <a:schemeClr val="accent1"/>
-                </a:lnRef>
-                <a:fillRef idx="0">
-                  <a:schemeClr val="accent1"/>
-                </a:fillRef>
-                <a:effectRef idx="0">
-                  <a:schemeClr val="accent1"/>
-                </a:effectRef>
-                <a:fontRef idx="minor">
-                  <a:schemeClr val="tx1"/>
-                </a:fontRef>
-              </p:style>
-            </p:cxnSp>
-            <p:cxnSp>
-              <p:nvCxnSpPr>
-                <p:cNvPr id="88" name="直線コネクタ 87"/>
+                <p:cNvPr id="109" name="直線コネクタ 108"/>
                 <p:cNvCxnSpPr/>
                 <p:nvPr/>
               </p:nvCxnSpPr>
@@ -4043,20 +4506,21 @@
               </p:style>
             </p:cxnSp>
           </p:grpSp>
-          <p:cxnSp>
-            <p:nvCxnSpPr>
-              <p:cNvPr id="85" name="直線コネクタ 84"/>
-              <p:cNvCxnSpPr/>
+          <p:sp>
+            <p:nvSpPr>
+              <p:cNvPr id="107" name="正方形/長方形 106"/>
+              <p:cNvSpPr/>
               <p:nvPr/>
-            </p:nvCxnSpPr>
+            </p:nvSpPr>
             <p:spPr>
-              <a:xfrm flipH="1">
-                <a:off x="2164618" y="3924822"/>
-                <a:ext cx="1302992" cy="4175"/>
+              <a:xfrm>
+                <a:off x="9484701" y="3953169"/>
+                <a:ext cx="1294288" cy="374463"/>
               </a:xfrm>
-              <a:prstGeom prst="line">
+              <a:prstGeom prst="rect">
                 <a:avLst/>
               </a:prstGeom>
+              <a:noFill/>
               <a:ln w="31750">
                 <a:solidFill>
                   <a:schemeClr val="tx1"/>
@@ -4064,932 +4528,488 @@
               </a:ln>
             </p:spPr>
             <p:style>
-              <a:lnRef idx="1">
-                <a:schemeClr val="accent1"/>
+              <a:lnRef idx="2">
+                <a:schemeClr val="accent1">
+                  <a:shade val="50000"/>
+                </a:schemeClr>
               </a:lnRef>
-              <a:fillRef idx="0">
+              <a:fillRef idx="1">
                 <a:schemeClr val="accent1"/>
               </a:fillRef>
               <a:effectRef idx="0">
                 <a:schemeClr val="accent1"/>
               </a:effectRef>
               <a:fontRef idx="minor">
-                <a:schemeClr val="tx1"/>
+                <a:schemeClr val="lt1"/>
               </a:fontRef>
             </p:style>
-          </p:cxnSp>
+            <p:txBody>
+              <a:bodyPr rtlCol="0" anchor="ctr"/>
+              <a:lstStyle/>
+              <a:p>
+                <a:pPr algn="ctr"/>
+                <a:endParaRPr kumimoji="1" lang="ja-JP" altLang="en-US"/>
+              </a:p>
+            </p:txBody>
+          </p:sp>
         </p:grpSp>
-        <p:sp>
-          <p:nvSpPr>
-            <p:cNvPr id="83" name="正方形/長方形 82"/>
-            <p:cNvSpPr/>
+        <p:cxnSp>
+          <p:nvCxnSpPr>
+            <p:cNvPr id="111" name="直線コネクタ 110"/>
+            <p:cNvCxnSpPr>
+              <a:stCxn id="6" idx="4"/>
+              <a:endCxn id="83" idx="0"/>
+            </p:cNvCxnSpPr>
             <p:nvPr/>
-          </p:nvSpPr>
+          </p:nvCxnSpPr>
           <p:spPr>
-            <a:xfrm>
-              <a:off x="5380029" y="5230254"/>
-              <a:ext cx="1269758" cy="353820"/>
+            <a:xfrm flipH="1">
+              <a:off x="1315859" y="1457540"/>
+              <a:ext cx="537883" cy="2224996"/>
             </a:xfrm>
-            <a:prstGeom prst="rect">
+            <a:prstGeom prst="line">
               <a:avLst/>
             </a:prstGeom>
-            <a:solidFill>
-              <a:schemeClr val="bg1">
-                <a:lumMod val="65000"/>
-              </a:schemeClr>
-            </a:solidFill>
-            <a:ln>
-              <a:noFill/>
-            </a:ln>
-          </p:spPr>
-          <p:style>
-            <a:lnRef idx="2">
-              <a:schemeClr val="accent1">
-                <a:shade val="50000"/>
-              </a:schemeClr>
-            </a:lnRef>
-            <a:fillRef idx="1">
-              <a:schemeClr val="accent1"/>
-            </a:fillRef>
-            <a:effectRef idx="0">
-              <a:schemeClr val="accent1"/>
-            </a:effectRef>
-            <a:fontRef idx="minor">
-              <a:schemeClr val="lt1"/>
-            </a:fontRef>
-          </p:style>
-          <p:txBody>
-            <a:bodyPr rtlCol="0" anchor="ctr"/>
-            <a:lstStyle/>
-            <a:p>
-              <a:pPr algn="ctr"/>
-              <a:endParaRPr kumimoji="1" lang="ja-JP" altLang="en-US"/>
-            </a:p>
-          </p:txBody>
-        </p:sp>
-      </p:grpSp>
-      <p:cxnSp>
-        <p:nvCxnSpPr>
-          <p:cNvPr id="89" name="直線コネクタ 88"/>
-          <p:cNvCxnSpPr>
-            <a:stCxn id="12" idx="4"/>
-            <a:endCxn id="83" idx="0"/>
-          </p:cNvCxnSpPr>
-          <p:nvPr/>
-        </p:nvCxnSpPr>
-        <p:spPr>
-          <a:xfrm flipH="1">
-            <a:off x="2789817" y="1648608"/>
-            <a:ext cx="2529841" cy="2224996"/>
-          </a:xfrm>
-          <a:prstGeom prst="line">
-            <a:avLst/>
-          </a:prstGeom>
-          <a:ln w="28575">
-            <a:solidFill>
-              <a:schemeClr val="tx1"/>
-            </a:solidFill>
-          </a:ln>
-        </p:spPr>
-        <p:style>
-          <a:lnRef idx="1">
-            <a:schemeClr val="accent1"/>
-          </a:lnRef>
-          <a:fillRef idx="0">
-            <a:schemeClr val="accent1"/>
-          </a:fillRef>
-          <a:effectRef idx="0">
-            <a:schemeClr val="accent1"/>
-          </a:effectRef>
-          <a:fontRef idx="minor">
-            <a:schemeClr val="tx1"/>
-          </a:fontRef>
-        </p:style>
-      </p:cxnSp>
-      <p:cxnSp>
-        <p:nvCxnSpPr>
-          <p:cNvPr id="92" name="直線コネクタ 91"/>
-          <p:cNvCxnSpPr>
-            <a:stCxn id="5" idx="4"/>
-            <a:endCxn id="83" idx="0"/>
-          </p:cNvCxnSpPr>
-          <p:nvPr/>
-        </p:nvCxnSpPr>
-        <p:spPr>
-          <a:xfrm>
-            <a:off x="2331721" y="1651298"/>
-            <a:ext cx="458096" cy="2222306"/>
-          </a:xfrm>
-          <a:prstGeom prst="line">
-            <a:avLst/>
-          </a:prstGeom>
-          <a:ln w="28575">
-            <a:solidFill>
-              <a:schemeClr val="tx1"/>
-            </a:solidFill>
-          </a:ln>
-        </p:spPr>
-        <p:style>
-          <a:lnRef idx="1">
-            <a:schemeClr val="accent1"/>
-          </a:lnRef>
-          <a:fillRef idx="0">
-            <a:schemeClr val="accent1"/>
-          </a:fillRef>
-          <a:effectRef idx="0">
-            <a:schemeClr val="accent1"/>
-          </a:effectRef>
-          <a:fontRef idx="minor">
-            <a:schemeClr val="tx1"/>
-          </a:fontRef>
-        </p:style>
-      </p:cxnSp>
-      <p:cxnSp>
-        <p:nvCxnSpPr>
-          <p:cNvPr id="95" name="直線コネクタ 94"/>
-          <p:cNvCxnSpPr>
-            <a:stCxn id="5" idx="4"/>
-            <a:endCxn id="107" idx="0"/>
-          </p:cNvCxnSpPr>
-          <p:nvPr/>
-        </p:nvCxnSpPr>
-        <p:spPr>
-          <a:xfrm>
-            <a:off x="2331721" y="1651298"/>
-            <a:ext cx="2487699" cy="2266817"/>
-          </a:xfrm>
-          <a:prstGeom prst="line">
-            <a:avLst/>
-          </a:prstGeom>
-          <a:ln w="28575">
-            <a:solidFill>
-              <a:schemeClr val="tx1"/>
-            </a:solidFill>
-          </a:ln>
-        </p:spPr>
-        <p:style>
-          <a:lnRef idx="1">
-            <a:schemeClr val="accent1"/>
-          </a:lnRef>
-          <a:fillRef idx="0">
-            <a:schemeClr val="accent1"/>
-          </a:fillRef>
-          <a:effectRef idx="0">
-            <a:schemeClr val="accent1"/>
-          </a:effectRef>
-          <a:fontRef idx="minor">
-            <a:schemeClr val="tx1"/>
-          </a:fontRef>
-        </p:style>
-      </p:cxnSp>
-      <p:grpSp>
-        <p:nvGrpSpPr>
-          <p:cNvPr id="100" name="図形グループ 99"/>
-          <p:cNvGrpSpPr/>
-          <p:nvPr/>
-        </p:nvGrpSpPr>
-        <p:grpSpPr>
-          <a:xfrm>
-            <a:off x="8211444" y="3669895"/>
-            <a:ext cx="1296287" cy="585871"/>
-            <a:chOff x="9484142" y="3741761"/>
-            <a:chExt cx="1296287" cy="585871"/>
-          </a:xfrm>
-        </p:grpSpPr>
-        <p:grpSp>
-          <p:nvGrpSpPr>
-            <p:cNvPr id="101" name="図形グループ 100"/>
-            <p:cNvGrpSpPr/>
-            <p:nvPr/>
-          </p:nvGrpSpPr>
-          <p:grpSpPr>
-            <a:xfrm>
-              <a:off x="9484142" y="3741761"/>
-              <a:ext cx="1296287" cy="585871"/>
-              <a:chOff x="6074935" y="3721758"/>
-              <a:chExt cx="1296287" cy="585871"/>
-            </a:xfrm>
-          </p:grpSpPr>
-          <p:cxnSp>
-            <p:nvCxnSpPr>
-              <p:cNvPr id="103" name="直線コネクタ 102"/>
-              <p:cNvCxnSpPr/>
-              <p:nvPr/>
-            </p:nvCxnSpPr>
-            <p:spPr>
-              <a:xfrm flipH="1">
-                <a:off x="6074935" y="3721758"/>
-                <a:ext cx="1" cy="578224"/>
-              </a:xfrm>
-              <a:prstGeom prst="line">
-                <a:avLst/>
-              </a:prstGeom>
-              <a:ln w="31750">
-                <a:solidFill>
-                  <a:schemeClr val="tx1"/>
-                </a:solidFill>
-              </a:ln>
-            </p:spPr>
-            <p:style>
-              <a:lnRef idx="1">
-                <a:schemeClr val="accent1"/>
-              </a:lnRef>
-              <a:fillRef idx="0">
-                <a:schemeClr val="accent1"/>
-              </a:fillRef>
-              <a:effectRef idx="0">
-                <a:schemeClr val="accent1"/>
-              </a:effectRef>
-              <a:fontRef idx="minor">
-                <a:schemeClr val="tx1"/>
-              </a:fontRef>
-            </p:style>
-          </p:cxnSp>
-          <p:cxnSp>
-            <p:nvCxnSpPr>
-              <p:cNvPr id="104" name="直線コネクタ 103"/>
-              <p:cNvCxnSpPr/>
-              <p:nvPr/>
-            </p:nvCxnSpPr>
-            <p:spPr>
-              <a:xfrm flipH="1">
-                <a:off x="7371221" y="3729405"/>
-                <a:ext cx="1" cy="578224"/>
-              </a:xfrm>
-              <a:prstGeom prst="line">
-                <a:avLst/>
-              </a:prstGeom>
-              <a:ln w="31750">
-                <a:solidFill>
-                  <a:schemeClr val="tx1"/>
-                </a:solidFill>
-              </a:ln>
-            </p:spPr>
-            <p:style>
-              <a:lnRef idx="1">
-                <a:schemeClr val="accent1"/>
-              </a:lnRef>
-              <a:fillRef idx="0">
-                <a:schemeClr val="accent1"/>
-              </a:fillRef>
-              <a:effectRef idx="0">
-                <a:schemeClr val="accent1"/>
-              </a:effectRef>
-              <a:fontRef idx="minor">
-                <a:schemeClr val="tx1"/>
-              </a:fontRef>
-            </p:style>
-          </p:cxnSp>
-        </p:grpSp>
-        <p:sp>
-          <p:nvSpPr>
-            <p:cNvPr id="102" name="正方形/長方形 101"/>
-            <p:cNvSpPr/>
-            <p:nvPr/>
-          </p:nvSpPr>
-          <p:spPr>
-            <a:xfrm>
-              <a:off x="9484701" y="3953169"/>
-              <a:ext cx="1294288" cy="374463"/>
-            </a:xfrm>
-            <a:prstGeom prst="rect">
-              <a:avLst/>
-            </a:prstGeom>
-            <a:noFill/>
-            <a:ln w="31750">
+            <a:ln w="28575">
               <a:solidFill>
                 <a:schemeClr val="tx1"/>
               </a:solidFill>
             </a:ln>
           </p:spPr>
           <p:style>
-            <a:lnRef idx="2">
-              <a:schemeClr val="accent1">
-                <a:shade val="50000"/>
-              </a:schemeClr>
+            <a:lnRef idx="1">
+              <a:schemeClr val="accent1"/>
             </a:lnRef>
-            <a:fillRef idx="1">
+            <a:fillRef idx="0">
               <a:schemeClr val="accent1"/>
             </a:fillRef>
             <a:effectRef idx="0">
               <a:schemeClr val="accent1"/>
             </a:effectRef>
             <a:fontRef idx="minor">
-              <a:schemeClr val="lt1"/>
+              <a:schemeClr val="tx1"/>
             </a:fontRef>
           </p:style>
-          <p:txBody>
-            <a:bodyPr rtlCol="0" anchor="ctr"/>
-            <a:lstStyle/>
-            <a:p>
-              <a:pPr algn="ctr"/>
-              <a:endParaRPr kumimoji="1" lang="ja-JP" altLang="en-US"/>
-            </a:p>
-          </p:txBody>
-        </p:sp>
-      </p:grpSp>
-      <p:grpSp>
-        <p:nvGrpSpPr>
-          <p:cNvPr id="105" name="図形グループ 104"/>
-          <p:cNvGrpSpPr/>
-          <p:nvPr/>
-        </p:nvGrpSpPr>
-        <p:grpSpPr>
-          <a:xfrm>
-            <a:off x="4171717" y="3706707"/>
-            <a:ext cx="1296287" cy="585871"/>
-            <a:chOff x="9484142" y="3741761"/>
-            <a:chExt cx="1296287" cy="585871"/>
-          </a:xfrm>
-        </p:grpSpPr>
-        <p:grpSp>
-          <p:nvGrpSpPr>
-            <p:cNvPr id="106" name="図形グループ 105"/>
-            <p:cNvGrpSpPr/>
+        </p:cxnSp>
+        <p:cxnSp>
+          <p:nvCxnSpPr>
+            <p:cNvPr id="114" name="直線コネクタ 113"/>
+            <p:cNvCxnSpPr>
+              <a:stCxn id="6" idx="4"/>
+              <a:endCxn id="107" idx="0"/>
+            </p:cNvCxnSpPr>
             <p:nvPr/>
-          </p:nvGrpSpPr>
-          <p:grpSpPr>
-            <a:xfrm>
-              <a:off x="9484142" y="3741761"/>
-              <a:ext cx="1296287" cy="585871"/>
-              <a:chOff x="6074935" y="3721758"/>
-              <a:chExt cx="1296287" cy="585871"/>
-            </a:xfrm>
-          </p:grpSpPr>
-          <p:cxnSp>
-            <p:nvCxnSpPr>
-              <p:cNvPr id="108" name="直線コネクタ 107"/>
-              <p:cNvCxnSpPr/>
-              <p:nvPr/>
-            </p:nvCxnSpPr>
-            <p:spPr>
-              <a:xfrm flipH="1">
-                <a:off x="6074935" y="3721758"/>
-                <a:ext cx="1" cy="578224"/>
-              </a:xfrm>
-              <a:prstGeom prst="line">
-                <a:avLst/>
-              </a:prstGeom>
-              <a:ln w="31750">
-                <a:solidFill>
-                  <a:schemeClr val="tx1"/>
-                </a:solidFill>
-              </a:ln>
-            </p:spPr>
-            <p:style>
-              <a:lnRef idx="1">
-                <a:schemeClr val="accent1"/>
-              </a:lnRef>
-              <a:fillRef idx="0">
-                <a:schemeClr val="accent1"/>
-              </a:fillRef>
-              <a:effectRef idx="0">
-                <a:schemeClr val="accent1"/>
-              </a:effectRef>
-              <a:fontRef idx="minor">
-                <a:schemeClr val="tx1"/>
-              </a:fontRef>
-            </p:style>
-          </p:cxnSp>
-          <p:cxnSp>
-            <p:nvCxnSpPr>
-              <p:cNvPr id="109" name="直線コネクタ 108"/>
-              <p:cNvCxnSpPr/>
-              <p:nvPr/>
-            </p:nvCxnSpPr>
-            <p:spPr>
-              <a:xfrm flipH="1">
-                <a:off x="7371221" y="3729405"/>
-                <a:ext cx="1" cy="578224"/>
-              </a:xfrm>
-              <a:prstGeom prst="line">
-                <a:avLst/>
-              </a:prstGeom>
-              <a:ln w="31750">
-                <a:solidFill>
-                  <a:schemeClr val="tx1"/>
-                </a:solidFill>
-              </a:ln>
-            </p:spPr>
-            <p:style>
-              <a:lnRef idx="1">
-                <a:schemeClr val="accent1"/>
-              </a:lnRef>
-              <a:fillRef idx="0">
-                <a:schemeClr val="accent1"/>
-              </a:fillRef>
-              <a:effectRef idx="0">
-                <a:schemeClr val="accent1"/>
-              </a:effectRef>
-              <a:fontRef idx="minor">
-                <a:schemeClr val="tx1"/>
-              </a:fontRef>
-            </p:style>
-          </p:cxnSp>
-        </p:grpSp>
-        <p:sp>
-          <p:nvSpPr>
-            <p:cNvPr id="107" name="正方形/長方形 106"/>
-            <p:cNvSpPr/>
-            <p:nvPr/>
-          </p:nvSpPr>
+          </p:nvCxnSpPr>
           <p:spPr>
             <a:xfrm>
-              <a:off x="9484701" y="3953169"/>
-              <a:ext cx="1294288" cy="374463"/>
+              <a:off x="1853742" y="1457540"/>
+              <a:ext cx="1491720" cy="2269507"/>
             </a:xfrm>
-            <a:prstGeom prst="rect">
+            <a:prstGeom prst="line">
               <a:avLst/>
             </a:prstGeom>
-            <a:noFill/>
-            <a:ln w="31750">
+            <a:ln w="28575">
               <a:solidFill>
                 <a:schemeClr val="tx1"/>
               </a:solidFill>
             </a:ln>
           </p:spPr>
           <p:style>
-            <a:lnRef idx="2">
-              <a:schemeClr val="accent1">
-                <a:shade val="50000"/>
-              </a:schemeClr>
+            <a:lnRef idx="1">
+              <a:schemeClr val="accent1"/>
             </a:lnRef>
-            <a:fillRef idx="1">
+            <a:fillRef idx="0">
               <a:schemeClr val="accent1"/>
             </a:fillRef>
             <a:effectRef idx="0">
               <a:schemeClr val="accent1"/>
             </a:effectRef>
             <a:fontRef idx="minor">
-              <a:schemeClr val="lt1"/>
+              <a:schemeClr val="tx1"/>
             </a:fontRef>
           </p:style>
-          <p:txBody>
-            <a:bodyPr rtlCol="0" anchor="ctr"/>
-            <a:lstStyle/>
-            <a:p>
-              <a:pPr algn="ctr"/>
-              <a:endParaRPr kumimoji="1" lang="ja-JP" altLang="en-US"/>
-            </a:p>
-          </p:txBody>
-        </p:sp>
+        </p:cxnSp>
+        <p:cxnSp>
+          <p:nvCxnSpPr>
+            <p:cNvPr id="117" name="直線コネクタ 116"/>
+            <p:cNvCxnSpPr>
+              <a:stCxn id="7" idx="4"/>
+              <a:endCxn id="102" idx="0"/>
+            </p:cNvCxnSpPr>
+            <p:nvPr/>
+          </p:nvCxnSpPr>
+          <p:spPr>
+            <a:xfrm>
+              <a:off x="2849721" y="1457540"/>
+              <a:ext cx="4535468" cy="2232695"/>
+            </a:xfrm>
+            <a:prstGeom prst="line">
+              <a:avLst/>
+            </a:prstGeom>
+            <a:ln w="28575">
+              <a:solidFill>
+                <a:schemeClr val="tx1"/>
+              </a:solidFill>
+            </a:ln>
+          </p:spPr>
+          <p:style>
+            <a:lnRef idx="1">
+              <a:schemeClr val="accent1"/>
+            </a:lnRef>
+            <a:fillRef idx="0">
+              <a:schemeClr val="accent1"/>
+            </a:fillRef>
+            <a:effectRef idx="0">
+              <a:schemeClr val="accent1"/>
+            </a:effectRef>
+            <a:fontRef idx="minor">
+              <a:schemeClr val="tx1"/>
+            </a:fontRef>
+          </p:style>
+        </p:cxnSp>
+        <p:cxnSp>
+          <p:nvCxnSpPr>
+            <p:cNvPr id="120" name="直線コネクタ 119"/>
+            <p:cNvCxnSpPr>
+              <a:stCxn id="7" idx="4"/>
+              <a:endCxn id="107" idx="0"/>
+            </p:cNvCxnSpPr>
+            <p:nvPr/>
+          </p:nvCxnSpPr>
+          <p:spPr>
+            <a:xfrm>
+              <a:off x="2849721" y="1457540"/>
+              <a:ext cx="495741" cy="2269507"/>
+            </a:xfrm>
+            <a:prstGeom prst="line">
+              <a:avLst/>
+            </a:prstGeom>
+            <a:ln w="28575">
+              <a:solidFill>
+                <a:schemeClr val="tx1"/>
+              </a:solidFill>
+            </a:ln>
+          </p:spPr>
+          <p:style>
+            <a:lnRef idx="1">
+              <a:schemeClr val="accent1"/>
+            </a:lnRef>
+            <a:fillRef idx="0">
+              <a:schemeClr val="accent1"/>
+            </a:fillRef>
+            <a:effectRef idx="0">
+              <a:schemeClr val="accent1"/>
+            </a:effectRef>
+            <a:fontRef idx="minor">
+              <a:schemeClr val="tx1"/>
+            </a:fontRef>
+          </p:style>
+        </p:cxnSp>
+        <p:cxnSp>
+          <p:nvCxnSpPr>
+            <p:cNvPr id="123" name="直線コネクタ 122"/>
+            <p:cNvCxnSpPr>
+              <a:stCxn id="8" idx="4"/>
+              <a:endCxn id="69" idx="0"/>
+            </p:cNvCxnSpPr>
+            <p:nvPr/>
+          </p:nvCxnSpPr>
+          <p:spPr>
+            <a:xfrm>
+              <a:off x="4841679" y="1471884"/>
+              <a:ext cx="525586" cy="2203005"/>
+            </a:xfrm>
+            <a:prstGeom prst="line">
+              <a:avLst/>
+            </a:prstGeom>
+            <a:ln w="28575">
+              <a:solidFill>
+                <a:schemeClr val="tx1"/>
+              </a:solidFill>
+            </a:ln>
+          </p:spPr>
+          <p:style>
+            <a:lnRef idx="1">
+              <a:schemeClr val="accent1"/>
+            </a:lnRef>
+            <a:fillRef idx="0">
+              <a:schemeClr val="accent1"/>
+            </a:fillRef>
+            <a:effectRef idx="0">
+              <a:schemeClr val="accent1"/>
+            </a:effectRef>
+            <a:fontRef idx="minor">
+              <a:schemeClr val="tx1"/>
+            </a:fontRef>
+          </p:style>
+        </p:cxnSp>
+        <p:cxnSp>
+          <p:nvCxnSpPr>
+            <p:cNvPr id="129" name="直線コネクタ 128"/>
+            <p:cNvCxnSpPr>
+              <a:stCxn id="10" idx="4"/>
+              <a:endCxn id="69" idx="0"/>
+            </p:cNvCxnSpPr>
+            <p:nvPr/>
+          </p:nvCxnSpPr>
+          <p:spPr>
+            <a:xfrm flipH="1">
+              <a:off x="5367265" y="1457540"/>
+              <a:ext cx="1466372" cy="2217349"/>
+            </a:xfrm>
+            <a:prstGeom prst="line">
+              <a:avLst/>
+            </a:prstGeom>
+            <a:ln w="28575">
+              <a:solidFill>
+                <a:schemeClr val="tx1"/>
+              </a:solidFill>
+            </a:ln>
+          </p:spPr>
+          <p:style>
+            <a:lnRef idx="1">
+              <a:schemeClr val="accent1"/>
+            </a:lnRef>
+            <a:fillRef idx="0">
+              <a:schemeClr val="accent1"/>
+            </a:fillRef>
+            <a:effectRef idx="0">
+              <a:schemeClr val="accent1"/>
+            </a:effectRef>
+            <a:fontRef idx="minor">
+              <a:schemeClr val="tx1"/>
+            </a:fontRef>
+          </p:style>
+        </p:cxnSp>
+        <p:cxnSp>
+          <p:nvCxnSpPr>
+            <p:cNvPr id="144" name="直線コネクタ 143"/>
+            <p:cNvCxnSpPr>
+              <a:stCxn id="11" idx="4"/>
+              <a:endCxn id="102" idx="0"/>
+            </p:cNvCxnSpPr>
+            <p:nvPr/>
+          </p:nvCxnSpPr>
+          <p:spPr>
+            <a:xfrm flipH="1">
+              <a:off x="7385189" y="1471884"/>
+              <a:ext cx="444427" cy="2218351"/>
+            </a:xfrm>
+            <a:prstGeom prst="line">
+              <a:avLst/>
+            </a:prstGeom>
+            <a:ln w="28575">
+              <a:solidFill>
+                <a:schemeClr val="tx1"/>
+              </a:solidFill>
+            </a:ln>
+          </p:spPr>
+          <p:style>
+            <a:lnRef idx="1">
+              <a:schemeClr val="accent1"/>
+            </a:lnRef>
+            <a:fillRef idx="0">
+              <a:schemeClr val="accent1"/>
+            </a:fillRef>
+            <a:effectRef idx="0">
+              <a:schemeClr val="accent1"/>
+            </a:effectRef>
+            <a:fontRef idx="minor">
+              <a:schemeClr val="tx1"/>
+            </a:fontRef>
+          </p:style>
+        </p:cxnSp>
+        <p:cxnSp>
+          <p:nvCxnSpPr>
+            <p:cNvPr id="147" name="直線コネクタ 146"/>
+            <p:cNvCxnSpPr>
+              <a:stCxn id="11" idx="4"/>
+              <a:endCxn id="69" idx="0"/>
+            </p:cNvCxnSpPr>
+            <p:nvPr/>
+          </p:nvCxnSpPr>
+          <p:spPr>
+            <a:xfrm flipH="1">
+              <a:off x="5367265" y="1471884"/>
+              <a:ext cx="2462351" cy="2203005"/>
+            </a:xfrm>
+            <a:prstGeom prst="line">
+              <a:avLst/>
+            </a:prstGeom>
+            <a:ln w="28575">
+              <a:solidFill>
+                <a:schemeClr val="tx1"/>
+              </a:solidFill>
+            </a:ln>
+          </p:spPr>
+          <p:style>
+            <a:lnRef idx="1">
+              <a:schemeClr val="accent1"/>
+            </a:lnRef>
+            <a:fillRef idx="0">
+              <a:schemeClr val="accent1"/>
+            </a:fillRef>
+            <a:effectRef idx="0">
+              <a:schemeClr val="accent1"/>
+            </a:effectRef>
+            <a:fontRef idx="minor">
+              <a:schemeClr val="tx1"/>
+            </a:fontRef>
+          </p:style>
+        </p:cxnSp>
+        <p:cxnSp>
+          <p:nvCxnSpPr>
+            <p:cNvPr id="150" name="直線コネクタ 149"/>
+            <p:cNvCxnSpPr>
+              <a:stCxn id="10" idx="4"/>
+              <a:endCxn id="102" idx="0"/>
+            </p:cNvCxnSpPr>
+            <p:nvPr/>
+          </p:nvCxnSpPr>
+          <p:spPr>
+            <a:xfrm>
+              <a:off x="6833637" y="1457540"/>
+              <a:ext cx="551552" cy="2232695"/>
+            </a:xfrm>
+            <a:prstGeom prst="line">
+              <a:avLst/>
+            </a:prstGeom>
+            <a:ln w="28575">
+              <a:solidFill>
+                <a:schemeClr val="tx1"/>
+              </a:solidFill>
+            </a:ln>
+          </p:spPr>
+          <p:style>
+            <a:lnRef idx="1">
+              <a:schemeClr val="accent1"/>
+            </a:lnRef>
+            <a:fillRef idx="0">
+              <a:schemeClr val="accent1"/>
+            </a:fillRef>
+            <a:effectRef idx="0">
+              <a:schemeClr val="accent1"/>
+            </a:effectRef>
+            <a:fontRef idx="minor">
+              <a:schemeClr val="tx1"/>
+            </a:fontRef>
+          </p:style>
+        </p:cxnSp>
+        <p:cxnSp>
+          <p:nvCxnSpPr>
+            <p:cNvPr id="153" name="直線コネクタ 152"/>
+            <p:cNvCxnSpPr>
+              <a:stCxn id="9" idx="4"/>
+              <a:endCxn id="102" idx="0"/>
+            </p:cNvCxnSpPr>
+            <p:nvPr/>
+          </p:nvCxnSpPr>
+          <p:spPr>
+            <a:xfrm>
+              <a:off x="5837658" y="1471884"/>
+              <a:ext cx="1547531" cy="2218351"/>
+            </a:xfrm>
+            <a:prstGeom prst="line">
+              <a:avLst/>
+            </a:prstGeom>
+            <a:ln w="28575">
+              <a:solidFill>
+                <a:schemeClr val="tx1"/>
+              </a:solidFill>
+            </a:ln>
+          </p:spPr>
+          <p:style>
+            <a:lnRef idx="1">
+              <a:schemeClr val="accent1"/>
+            </a:lnRef>
+            <a:fillRef idx="0">
+              <a:schemeClr val="accent1"/>
+            </a:fillRef>
+            <a:effectRef idx="0">
+              <a:schemeClr val="accent1"/>
+            </a:effectRef>
+            <a:fontRef idx="minor">
+              <a:schemeClr val="tx1"/>
+            </a:fontRef>
+          </p:style>
+        </p:cxnSp>
+        <p:cxnSp>
+          <p:nvCxnSpPr>
+            <p:cNvPr id="156" name="直線コネクタ 155"/>
+            <p:cNvCxnSpPr>
+              <a:stCxn id="8" idx="4"/>
+              <a:endCxn id="83" idx="0"/>
+            </p:cNvCxnSpPr>
+            <p:nvPr/>
+          </p:nvCxnSpPr>
+          <p:spPr>
+            <a:xfrm flipH="1">
+              <a:off x="1315859" y="1471884"/>
+              <a:ext cx="3525820" cy="2210652"/>
+            </a:xfrm>
+            <a:prstGeom prst="line">
+              <a:avLst/>
+            </a:prstGeom>
+            <a:ln w="28575">
+              <a:solidFill>
+                <a:schemeClr val="tx1"/>
+              </a:solidFill>
+            </a:ln>
+          </p:spPr>
+          <p:style>
+            <a:lnRef idx="1">
+              <a:schemeClr val="accent1"/>
+            </a:lnRef>
+            <a:fillRef idx="0">
+              <a:schemeClr val="accent1"/>
+            </a:fillRef>
+            <a:effectRef idx="0">
+              <a:schemeClr val="accent1"/>
+            </a:effectRef>
+            <a:fontRef idx="minor">
+              <a:schemeClr val="tx1"/>
+            </a:fontRef>
+          </p:style>
+        </p:cxnSp>
+        <p:cxnSp>
+          <p:nvCxnSpPr>
+            <p:cNvPr id="159" name="直線コネクタ 158"/>
+            <p:cNvCxnSpPr>
+              <a:stCxn id="9" idx="4"/>
+              <a:endCxn id="107" idx="0"/>
+            </p:cNvCxnSpPr>
+            <p:nvPr/>
+          </p:nvCxnSpPr>
+          <p:spPr>
+            <a:xfrm flipH="1">
+              <a:off x="3345462" y="1471884"/>
+              <a:ext cx="2492196" cy="2255163"/>
+            </a:xfrm>
+            <a:prstGeom prst="line">
+              <a:avLst/>
+            </a:prstGeom>
+            <a:ln w="28575">
+              <a:solidFill>
+                <a:schemeClr val="tx1"/>
+              </a:solidFill>
+            </a:ln>
+          </p:spPr>
+          <p:style>
+            <a:lnRef idx="1">
+              <a:schemeClr val="accent1"/>
+            </a:lnRef>
+            <a:fillRef idx="0">
+              <a:schemeClr val="accent1"/>
+            </a:fillRef>
+            <a:effectRef idx="0">
+              <a:schemeClr val="accent1"/>
+            </a:effectRef>
+            <a:fontRef idx="minor">
+              <a:schemeClr val="tx1"/>
+            </a:fontRef>
+          </p:style>
+        </p:cxnSp>
       </p:grpSp>
-      <p:cxnSp>
-        <p:nvCxnSpPr>
-          <p:cNvPr id="111" name="直線コネクタ 110"/>
-          <p:cNvCxnSpPr>
-            <a:stCxn id="6" idx="4"/>
-            <a:endCxn id="83" idx="0"/>
-          </p:cNvCxnSpPr>
-          <p:nvPr/>
-        </p:nvCxnSpPr>
-        <p:spPr>
-          <a:xfrm flipH="1">
-            <a:off x="2789817" y="1648608"/>
-            <a:ext cx="537883" cy="2224996"/>
-          </a:xfrm>
-          <a:prstGeom prst="line">
-            <a:avLst/>
-          </a:prstGeom>
-          <a:ln w="28575">
-            <a:solidFill>
-              <a:schemeClr val="tx1"/>
-            </a:solidFill>
-          </a:ln>
-        </p:spPr>
-        <p:style>
-          <a:lnRef idx="1">
-            <a:schemeClr val="accent1"/>
-          </a:lnRef>
-          <a:fillRef idx="0">
-            <a:schemeClr val="accent1"/>
-          </a:fillRef>
-          <a:effectRef idx="0">
-            <a:schemeClr val="accent1"/>
-          </a:effectRef>
-          <a:fontRef idx="minor">
-            <a:schemeClr val="tx1"/>
-          </a:fontRef>
-        </p:style>
-      </p:cxnSp>
-      <p:cxnSp>
-        <p:nvCxnSpPr>
-          <p:cNvPr id="114" name="直線コネクタ 113"/>
-          <p:cNvCxnSpPr>
-            <a:stCxn id="6" idx="4"/>
-            <a:endCxn id="107" idx="0"/>
-          </p:cNvCxnSpPr>
-          <p:nvPr/>
-        </p:nvCxnSpPr>
-        <p:spPr>
-          <a:xfrm>
-            <a:off x="3327700" y="1648608"/>
-            <a:ext cx="1491720" cy="2269507"/>
-          </a:xfrm>
-          <a:prstGeom prst="line">
-            <a:avLst/>
-          </a:prstGeom>
-          <a:ln w="28575">
-            <a:solidFill>
-              <a:schemeClr val="tx1"/>
-            </a:solidFill>
-          </a:ln>
-        </p:spPr>
-        <p:style>
-          <a:lnRef idx="1">
-            <a:schemeClr val="accent1"/>
-          </a:lnRef>
-          <a:fillRef idx="0">
-            <a:schemeClr val="accent1"/>
-          </a:fillRef>
-          <a:effectRef idx="0">
-            <a:schemeClr val="accent1"/>
-          </a:effectRef>
-          <a:fontRef idx="minor">
-            <a:schemeClr val="tx1"/>
-          </a:fontRef>
-        </p:style>
-      </p:cxnSp>
-      <p:cxnSp>
-        <p:nvCxnSpPr>
-          <p:cNvPr id="117" name="直線コネクタ 116"/>
-          <p:cNvCxnSpPr>
-            <a:stCxn id="7" idx="4"/>
-            <a:endCxn id="102" idx="0"/>
-          </p:cNvCxnSpPr>
-          <p:nvPr/>
-        </p:nvCxnSpPr>
-        <p:spPr>
-          <a:xfrm>
-            <a:off x="4323679" y="1648608"/>
-            <a:ext cx="4535468" cy="2232695"/>
-          </a:xfrm>
-          <a:prstGeom prst="line">
-            <a:avLst/>
-          </a:prstGeom>
-          <a:ln w="28575">
-            <a:solidFill>
-              <a:schemeClr val="tx1"/>
-            </a:solidFill>
-          </a:ln>
-        </p:spPr>
-        <p:style>
-          <a:lnRef idx="1">
-            <a:schemeClr val="accent1"/>
-          </a:lnRef>
-          <a:fillRef idx="0">
-            <a:schemeClr val="accent1"/>
-          </a:fillRef>
-          <a:effectRef idx="0">
-            <a:schemeClr val="accent1"/>
-          </a:effectRef>
-          <a:fontRef idx="minor">
-            <a:schemeClr val="tx1"/>
-          </a:fontRef>
-        </p:style>
-      </p:cxnSp>
-      <p:cxnSp>
-        <p:nvCxnSpPr>
-          <p:cNvPr id="120" name="直線コネクタ 119"/>
-          <p:cNvCxnSpPr>
-            <a:stCxn id="7" idx="4"/>
-            <a:endCxn id="107" idx="0"/>
-          </p:cNvCxnSpPr>
-          <p:nvPr/>
-        </p:nvCxnSpPr>
-        <p:spPr>
-          <a:xfrm>
-            <a:off x="4323679" y="1648608"/>
-            <a:ext cx="495741" cy="2269507"/>
-          </a:xfrm>
-          <a:prstGeom prst="line">
-            <a:avLst/>
-          </a:prstGeom>
-          <a:ln w="28575">
-            <a:solidFill>
-              <a:schemeClr val="tx1"/>
-            </a:solidFill>
-          </a:ln>
-        </p:spPr>
-        <p:style>
-          <a:lnRef idx="1">
-            <a:schemeClr val="accent1"/>
-          </a:lnRef>
-          <a:fillRef idx="0">
-            <a:schemeClr val="accent1"/>
-          </a:fillRef>
-          <a:effectRef idx="0">
-            <a:schemeClr val="accent1"/>
-          </a:effectRef>
-          <a:fontRef idx="minor">
-            <a:schemeClr val="tx1"/>
-          </a:fontRef>
-        </p:style>
-      </p:cxnSp>
-      <p:cxnSp>
-        <p:nvCxnSpPr>
-          <p:cNvPr id="123" name="直線コネクタ 122"/>
-          <p:cNvCxnSpPr>
-            <a:stCxn id="8" idx="4"/>
-            <a:endCxn id="69" idx="0"/>
-          </p:cNvCxnSpPr>
-          <p:nvPr/>
-        </p:nvCxnSpPr>
-        <p:spPr>
-          <a:xfrm>
-            <a:off x="6315637" y="1662952"/>
-            <a:ext cx="525586" cy="2203005"/>
-          </a:xfrm>
-          <a:prstGeom prst="line">
-            <a:avLst/>
-          </a:prstGeom>
-          <a:ln w="28575">
-            <a:solidFill>
-              <a:schemeClr val="tx1"/>
-            </a:solidFill>
-          </a:ln>
-        </p:spPr>
-        <p:style>
-          <a:lnRef idx="1">
-            <a:schemeClr val="accent1"/>
-          </a:lnRef>
-          <a:fillRef idx="0">
-            <a:schemeClr val="accent1"/>
-          </a:fillRef>
-          <a:effectRef idx="0">
-            <a:schemeClr val="accent1"/>
-          </a:effectRef>
-          <a:fontRef idx="minor">
-            <a:schemeClr val="tx1"/>
-          </a:fontRef>
-        </p:style>
-      </p:cxnSp>
-      <p:cxnSp>
-        <p:nvCxnSpPr>
-          <p:cNvPr id="129" name="直線コネクタ 128"/>
-          <p:cNvCxnSpPr>
-            <a:stCxn id="10" idx="4"/>
-            <a:endCxn id="69" idx="0"/>
-          </p:cNvCxnSpPr>
-          <p:nvPr/>
-        </p:nvCxnSpPr>
-        <p:spPr>
-          <a:xfrm flipH="1">
-            <a:off x="6841223" y="1648608"/>
-            <a:ext cx="1466372" cy="2217349"/>
-          </a:xfrm>
-          <a:prstGeom prst="line">
-            <a:avLst/>
-          </a:prstGeom>
-          <a:ln w="28575">
-            <a:solidFill>
-              <a:schemeClr val="tx1"/>
-            </a:solidFill>
-          </a:ln>
-        </p:spPr>
-        <p:style>
-          <a:lnRef idx="1">
-            <a:schemeClr val="accent1"/>
-          </a:lnRef>
-          <a:fillRef idx="0">
-            <a:schemeClr val="accent1"/>
-          </a:fillRef>
-          <a:effectRef idx="0">
-            <a:schemeClr val="accent1"/>
-          </a:effectRef>
-          <a:fontRef idx="minor">
-            <a:schemeClr val="tx1"/>
-          </a:fontRef>
-        </p:style>
-      </p:cxnSp>
-      <p:cxnSp>
-        <p:nvCxnSpPr>
-          <p:cNvPr id="144" name="直線コネクタ 143"/>
-          <p:cNvCxnSpPr>
-            <a:stCxn id="11" idx="4"/>
-            <a:endCxn id="102" idx="0"/>
-          </p:cNvCxnSpPr>
-          <p:nvPr/>
-        </p:nvCxnSpPr>
-        <p:spPr>
-          <a:xfrm flipH="1">
-            <a:off x="8859147" y="1662952"/>
-            <a:ext cx="444427" cy="2218351"/>
-          </a:xfrm>
-          <a:prstGeom prst="line">
-            <a:avLst/>
-          </a:prstGeom>
-          <a:ln w="28575">
-            <a:solidFill>
-              <a:schemeClr val="tx1"/>
-            </a:solidFill>
-          </a:ln>
-        </p:spPr>
-        <p:style>
-          <a:lnRef idx="1">
-            <a:schemeClr val="accent1"/>
-          </a:lnRef>
-          <a:fillRef idx="0">
-            <a:schemeClr val="accent1"/>
-          </a:fillRef>
-          <a:effectRef idx="0">
-            <a:schemeClr val="accent1"/>
-          </a:effectRef>
-          <a:fontRef idx="minor">
-            <a:schemeClr val="tx1"/>
-          </a:fontRef>
-        </p:style>
-      </p:cxnSp>
-      <p:cxnSp>
-        <p:nvCxnSpPr>
-          <p:cNvPr id="147" name="直線コネクタ 146"/>
-          <p:cNvCxnSpPr>
-            <a:stCxn id="11" idx="4"/>
-            <a:endCxn id="69" idx="0"/>
-          </p:cNvCxnSpPr>
-          <p:nvPr/>
-        </p:nvCxnSpPr>
-        <p:spPr>
-          <a:xfrm flipH="1">
-            <a:off x="6841223" y="1662952"/>
-            <a:ext cx="2462351" cy="2203005"/>
-          </a:xfrm>
-          <a:prstGeom prst="line">
-            <a:avLst/>
-          </a:prstGeom>
-          <a:ln w="28575">
-            <a:solidFill>
-              <a:schemeClr val="tx1"/>
-            </a:solidFill>
-          </a:ln>
-        </p:spPr>
-        <p:style>
-          <a:lnRef idx="1">
-            <a:schemeClr val="accent1"/>
-          </a:lnRef>
-          <a:fillRef idx="0">
-            <a:schemeClr val="accent1"/>
-          </a:fillRef>
-          <a:effectRef idx="0">
-            <a:schemeClr val="accent1"/>
-          </a:effectRef>
-          <a:fontRef idx="minor">
-            <a:schemeClr val="tx1"/>
-          </a:fontRef>
-        </p:style>
-      </p:cxnSp>
-      <p:cxnSp>
-        <p:nvCxnSpPr>
-          <p:cNvPr id="150" name="直線コネクタ 149"/>
-          <p:cNvCxnSpPr>
-            <a:stCxn id="10" idx="4"/>
-            <a:endCxn id="102" idx="0"/>
-          </p:cNvCxnSpPr>
-          <p:nvPr/>
-        </p:nvCxnSpPr>
-        <p:spPr>
-          <a:xfrm>
-            <a:off x="8307595" y="1648608"/>
-            <a:ext cx="551552" cy="2232695"/>
-          </a:xfrm>
-          <a:prstGeom prst="line">
-            <a:avLst/>
-          </a:prstGeom>
-          <a:ln w="28575">
-            <a:solidFill>
-              <a:schemeClr val="tx1"/>
-            </a:solidFill>
-          </a:ln>
-        </p:spPr>
-        <p:style>
-          <a:lnRef idx="1">
-            <a:schemeClr val="accent1"/>
-          </a:lnRef>
-          <a:fillRef idx="0">
-            <a:schemeClr val="accent1"/>
-          </a:fillRef>
-          <a:effectRef idx="0">
-            <a:schemeClr val="accent1"/>
-          </a:effectRef>
-          <a:fontRef idx="minor">
-            <a:schemeClr val="tx1"/>
-          </a:fontRef>
-        </p:style>
-      </p:cxnSp>
-      <p:cxnSp>
-        <p:nvCxnSpPr>
-          <p:cNvPr id="153" name="直線コネクタ 152"/>
-          <p:cNvCxnSpPr>
-            <a:stCxn id="9" idx="4"/>
-            <a:endCxn id="102" idx="0"/>
-          </p:cNvCxnSpPr>
-          <p:nvPr/>
-        </p:nvCxnSpPr>
-        <p:spPr>
-          <a:xfrm>
-            <a:off x="7311616" y="1662952"/>
-            <a:ext cx="1547531" cy="2218351"/>
-          </a:xfrm>
-          <a:prstGeom prst="line">
-            <a:avLst/>
-          </a:prstGeom>
-          <a:ln w="28575">
-            <a:solidFill>
-              <a:schemeClr val="tx1"/>
-            </a:solidFill>
-          </a:ln>
-        </p:spPr>
-        <p:style>
-          <a:lnRef idx="1">
-            <a:schemeClr val="accent1"/>
-          </a:lnRef>
-          <a:fillRef idx="0">
-            <a:schemeClr val="accent1"/>
-          </a:fillRef>
-          <a:effectRef idx="0">
-            <a:schemeClr val="accent1"/>
-          </a:effectRef>
-          <a:fontRef idx="minor">
-            <a:schemeClr val="tx1"/>
-          </a:fontRef>
-        </p:style>
-      </p:cxnSp>
-      <p:cxnSp>
-        <p:nvCxnSpPr>
-          <p:cNvPr id="156" name="直線コネクタ 155"/>
-          <p:cNvCxnSpPr>
-            <a:stCxn id="8" idx="4"/>
-            <a:endCxn id="83" idx="0"/>
-          </p:cNvCxnSpPr>
-          <p:nvPr/>
-        </p:nvCxnSpPr>
-        <p:spPr>
-          <a:xfrm flipH="1">
-            <a:off x="2789817" y="1662952"/>
-            <a:ext cx="3525820" cy="2210652"/>
-          </a:xfrm>
-          <a:prstGeom prst="line">
-            <a:avLst/>
-          </a:prstGeom>
-          <a:ln w="28575">
-            <a:solidFill>
-              <a:schemeClr val="tx1"/>
-            </a:solidFill>
-          </a:ln>
-        </p:spPr>
-        <p:style>
-          <a:lnRef idx="1">
-            <a:schemeClr val="accent1"/>
-          </a:lnRef>
-          <a:fillRef idx="0">
-            <a:schemeClr val="accent1"/>
-          </a:fillRef>
-          <a:effectRef idx="0">
-            <a:schemeClr val="accent1"/>
-          </a:effectRef>
-          <a:fontRef idx="minor">
-            <a:schemeClr val="tx1"/>
-          </a:fontRef>
-        </p:style>
-      </p:cxnSp>
-      <p:cxnSp>
-        <p:nvCxnSpPr>
-          <p:cNvPr id="159" name="直線コネクタ 158"/>
-          <p:cNvCxnSpPr>
-            <a:stCxn id="9" idx="4"/>
-            <a:endCxn id="107" idx="0"/>
-          </p:cNvCxnSpPr>
-          <p:nvPr/>
-        </p:nvCxnSpPr>
-        <p:spPr>
-          <a:xfrm flipH="1">
-            <a:off x="4819420" y="1662952"/>
-            <a:ext cx="2492196" cy="2255163"/>
-          </a:xfrm>
-          <a:prstGeom prst="line">
-            <a:avLst/>
-          </a:prstGeom>
-          <a:ln w="28575">
-            <a:solidFill>
-              <a:schemeClr val="tx1"/>
-            </a:solidFill>
-          </a:ln>
-        </p:spPr>
-        <p:style>
-          <a:lnRef idx="1">
-            <a:schemeClr val="accent1"/>
-          </a:lnRef>
-          <a:fillRef idx="0">
-            <a:schemeClr val="accent1"/>
-          </a:fillRef>
-          <a:effectRef idx="0">
-            <a:schemeClr val="accent1"/>
-          </a:effectRef>
-          <a:fontRef idx="minor">
-            <a:schemeClr val="tx1"/>
-          </a:fontRef>
-        </p:style>
-      </p:cxnSp>
     </p:spTree>
     <p:extLst>
       <p:ext uri="{BB962C8B-B14F-4D97-AF65-F5344CB8AC3E}">
